--- a/convex report/Posterslide.pptx
+++ b/convex report/Posterslide.pptx
@@ -3664,7 +3664,7 @@
           <a:graphicData uri="http://schemas.openxmlformats.org/presentationml/2006/ole">
             <mc:AlternateContent xmlns:mc="http://schemas.openxmlformats.org/markup-compatibility/2006">
               <mc:Choice xmlns:v="urn:schemas-microsoft-com:vml" Requires="v">
-                <p:oleObj spid="_x0000_s1034" name="Acrobat Document" r:id="rId3" imgW="4686266" imgH="3400380" progId="AcroExch.Document.7">
+                <p:oleObj spid="_x0000_s1035" name="Acrobat Document" r:id="rId3" imgW="4686266" imgH="3400380" progId="AcroExch.Document.7">
                   <p:embed/>
                 </p:oleObj>
               </mc:Choice>
@@ -3774,7 +3774,7 @@
           <a:graphicData uri="http://schemas.openxmlformats.org/presentationml/2006/ole">
             <mc:AlternateContent xmlns:mc="http://schemas.openxmlformats.org/markup-compatibility/2006">
               <mc:Choice xmlns:v="urn:schemas-microsoft-com:vml" Requires="v">
-                <p:oleObj spid="_x0000_s2058" name="Acrobat Document" r:id="rId3" imgW="4686266" imgH="3400380" progId="AcroExch.Document.7">
+                <p:oleObj spid="_x0000_s2059" name="Acrobat Document" r:id="rId3" imgW="4686266" imgH="3400380" progId="AcroExch.Document.7">
                   <p:embed/>
                 </p:oleObj>
               </mc:Choice>

--- a/convex report/Posterslide.pptx
+++ b/convex report/Posterslide.pptx
@@ -4,10 +4,13 @@
   <p:sldMasterIdLst>
     <p:sldMasterId id="2147483648" r:id="rId1"/>
   </p:sldMasterIdLst>
+  <p:notesMasterIdLst>
+    <p:notesMasterId r:id="rId18"/>
+  </p:notesMasterIdLst>
   <p:sldIdLst>
     <p:sldId id="256" r:id="rId2"/>
-    <p:sldId id="257" r:id="rId3"/>
-    <p:sldId id="258" r:id="rId4"/>
+    <p:sldId id="272" r:id="rId3"/>
+    <p:sldId id="257" r:id="rId4"/>
     <p:sldId id="261" r:id="rId5"/>
     <p:sldId id="266" r:id="rId6"/>
     <p:sldId id="259" r:id="rId7"/>
@@ -18,7 +21,9 @@
     <p:sldId id="264" r:id="rId12"/>
     <p:sldId id="260" r:id="rId13"/>
     <p:sldId id="262" r:id="rId14"/>
-    <p:sldId id="263" r:id="rId15"/>
+    <p:sldId id="271" r:id="rId15"/>
+    <p:sldId id="274" r:id="rId16"/>
+    <p:sldId id="275" r:id="rId17"/>
   </p:sldIdLst>
   <p:sldSz cx="9144000" cy="6858000" type="screen4x3"/>
   <p:notesSz cx="6858000" cy="9144000"/>
@@ -120,6 +125,353 @@
 </p:presentation>
 </file>
 
+<file path=ppt/notesMasters/notesMaster1.xml><?xml version="1.0" encoding="utf-8"?>
+<p:notesMaster xmlns:a="http://schemas.openxmlformats.org/drawingml/2006/main" xmlns:r="http://schemas.openxmlformats.org/officeDocument/2006/relationships" xmlns:p="http://schemas.openxmlformats.org/presentationml/2006/main">
+  <p:cSld>
+    <p:bg>
+      <p:bgRef idx="1001">
+        <a:schemeClr val="bg1"/>
+      </p:bgRef>
+    </p:bg>
+    <p:spTree>
+      <p:nvGrpSpPr>
+        <p:cNvPr id="1" name=""/>
+        <p:cNvGrpSpPr/>
+        <p:nvPr/>
+      </p:nvGrpSpPr>
+      <p:grpSpPr>
+        <a:xfrm>
+          <a:off x="0" y="0"/>
+          <a:ext cx="0" cy="0"/>
+          <a:chOff x="0" y="0"/>
+          <a:chExt cx="0" cy="0"/>
+        </a:xfrm>
+      </p:grpSpPr>
+      <p:sp>
+        <p:nvSpPr>
+          <p:cNvPr id="2" name="頁首版面配置區 1"/>
+          <p:cNvSpPr>
+            <a:spLocks noGrp="1"/>
+          </p:cNvSpPr>
+          <p:nvPr>
+            <p:ph type="hdr" sz="quarter"/>
+          </p:nvPr>
+        </p:nvSpPr>
+        <p:spPr>
+          <a:xfrm>
+            <a:off x="0" y="0"/>
+            <a:ext cx="2971800" cy="457200"/>
+          </a:xfrm>
+          <a:prstGeom prst="rect">
+            <a:avLst/>
+          </a:prstGeom>
+        </p:spPr>
+        <p:txBody>
+          <a:bodyPr vert="horz" lIns="91440" tIns="45720" rIns="91440" bIns="45720" rtlCol="0"/>
+          <a:lstStyle>
+            <a:lvl1pPr algn="l">
+              <a:defRPr sz="1200"/>
+            </a:lvl1pPr>
+          </a:lstStyle>
+          <a:p>
+            <a:endParaRPr lang="zh-TW" altLang="en-US"/>
+          </a:p>
+        </p:txBody>
+      </p:sp>
+      <p:sp>
+        <p:nvSpPr>
+          <p:cNvPr id="3" name="日期版面配置區 2"/>
+          <p:cNvSpPr>
+            <a:spLocks noGrp="1"/>
+          </p:cNvSpPr>
+          <p:nvPr>
+            <p:ph type="dt" idx="1"/>
+          </p:nvPr>
+        </p:nvSpPr>
+        <p:spPr>
+          <a:xfrm>
+            <a:off x="3884613" y="0"/>
+            <a:ext cx="2971800" cy="457200"/>
+          </a:xfrm>
+          <a:prstGeom prst="rect">
+            <a:avLst/>
+          </a:prstGeom>
+        </p:spPr>
+        <p:txBody>
+          <a:bodyPr vert="horz" lIns="91440" tIns="45720" rIns="91440" bIns="45720" rtlCol="0"/>
+          <a:lstStyle>
+            <a:lvl1pPr algn="r">
+              <a:defRPr sz="1200"/>
+            </a:lvl1pPr>
+          </a:lstStyle>
+          <a:p>
+            <a:fld id="{FE7EBC9B-54E2-4BF1-8E54-465A166F8F48}" type="datetimeFigureOut">
+              <a:rPr lang="zh-TW" altLang="en-US" smtClean="0"/>
+              <a:t>2012/6/13</a:t>
+            </a:fld>
+            <a:endParaRPr lang="zh-TW" altLang="en-US"/>
+          </a:p>
+        </p:txBody>
+      </p:sp>
+      <p:sp>
+        <p:nvSpPr>
+          <p:cNvPr id="4" name="投影片圖像版面配置區 3"/>
+          <p:cNvSpPr>
+            <a:spLocks noGrp="1" noRot="1" noChangeAspect="1"/>
+          </p:cNvSpPr>
+          <p:nvPr>
+            <p:ph type="sldImg" idx="2"/>
+          </p:nvPr>
+        </p:nvSpPr>
+        <p:spPr>
+          <a:xfrm>
+            <a:off x="1143000" y="685800"/>
+            <a:ext cx="4572000" cy="3429000"/>
+          </a:xfrm>
+          <a:prstGeom prst="rect">
+            <a:avLst/>
+          </a:prstGeom>
+          <a:noFill/>
+          <a:ln w="12700">
+            <a:solidFill>
+              <a:prstClr val="black"/>
+            </a:solidFill>
+          </a:ln>
+        </p:spPr>
+        <p:txBody>
+          <a:bodyPr vert="horz" lIns="91440" tIns="45720" rIns="91440" bIns="45720" rtlCol="0" anchor="ctr"/>
+          <a:lstStyle/>
+          <a:p>
+            <a:endParaRPr lang="zh-TW" altLang="en-US"/>
+          </a:p>
+        </p:txBody>
+      </p:sp>
+      <p:sp>
+        <p:nvSpPr>
+          <p:cNvPr id="5" name="備忘稿版面配置區 4"/>
+          <p:cNvSpPr>
+            <a:spLocks noGrp="1"/>
+          </p:cNvSpPr>
+          <p:nvPr>
+            <p:ph type="body" sz="quarter" idx="3"/>
+          </p:nvPr>
+        </p:nvSpPr>
+        <p:spPr>
+          <a:xfrm>
+            <a:off x="685800" y="4343400"/>
+            <a:ext cx="5486400" cy="4114800"/>
+          </a:xfrm>
+          <a:prstGeom prst="rect">
+            <a:avLst/>
+          </a:prstGeom>
+        </p:spPr>
+        <p:txBody>
+          <a:bodyPr vert="horz" lIns="91440" tIns="45720" rIns="91440" bIns="45720" rtlCol="0">
+            <a:normAutofit/>
+          </a:bodyPr>
+          <a:lstStyle/>
+          <a:p>
+            <a:pPr lvl="0"/>
+            <a:r>
+              <a:rPr lang="zh-TW" altLang="en-US" smtClean="0"/>
+              <a:t>按一下以編輯母片文字樣式</a:t>
+            </a:r>
+          </a:p>
+          <a:p>
+            <a:pPr lvl="1"/>
+            <a:r>
+              <a:rPr lang="zh-TW" altLang="en-US" smtClean="0"/>
+              <a:t>第二層</a:t>
+            </a:r>
+          </a:p>
+          <a:p>
+            <a:pPr lvl="2"/>
+            <a:r>
+              <a:rPr lang="zh-TW" altLang="en-US" smtClean="0"/>
+              <a:t>第三層</a:t>
+            </a:r>
+          </a:p>
+          <a:p>
+            <a:pPr lvl="3"/>
+            <a:r>
+              <a:rPr lang="zh-TW" altLang="en-US" smtClean="0"/>
+              <a:t>第四層</a:t>
+            </a:r>
+          </a:p>
+          <a:p>
+            <a:pPr lvl="4"/>
+            <a:r>
+              <a:rPr lang="zh-TW" altLang="en-US" smtClean="0"/>
+              <a:t>第五層</a:t>
+            </a:r>
+            <a:endParaRPr lang="zh-TW" altLang="en-US"/>
+          </a:p>
+        </p:txBody>
+      </p:sp>
+      <p:sp>
+        <p:nvSpPr>
+          <p:cNvPr id="6" name="頁尾版面配置區 5"/>
+          <p:cNvSpPr>
+            <a:spLocks noGrp="1"/>
+          </p:cNvSpPr>
+          <p:nvPr>
+            <p:ph type="ftr" sz="quarter" idx="4"/>
+          </p:nvPr>
+        </p:nvSpPr>
+        <p:spPr>
+          <a:xfrm>
+            <a:off x="0" y="8685213"/>
+            <a:ext cx="2971800" cy="457200"/>
+          </a:xfrm>
+          <a:prstGeom prst="rect">
+            <a:avLst/>
+          </a:prstGeom>
+        </p:spPr>
+        <p:txBody>
+          <a:bodyPr vert="horz" lIns="91440" tIns="45720" rIns="91440" bIns="45720" rtlCol="0" anchor="b"/>
+          <a:lstStyle>
+            <a:lvl1pPr algn="l">
+              <a:defRPr sz="1200"/>
+            </a:lvl1pPr>
+          </a:lstStyle>
+          <a:p>
+            <a:endParaRPr lang="zh-TW" altLang="en-US"/>
+          </a:p>
+        </p:txBody>
+      </p:sp>
+      <p:sp>
+        <p:nvSpPr>
+          <p:cNvPr id="7" name="投影片編號版面配置區 6"/>
+          <p:cNvSpPr>
+            <a:spLocks noGrp="1"/>
+          </p:cNvSpPr>
+          <p:nvPr>
+            <p:ph type="sldNum" sz="quarter" idx="5"/>
+          </p:nvPr>
+        </p:nvSpPr>
+        <p:spPr>
+          <a:xfrm>
+            <a:off x="3884613" y="8685213"/>
+            <a:ext cx="2971800" cy="457200"/>
+          </a:xfrm>
+          <a:prstGeom prst="rect">
+            <a:avLst/>
+          </a:prstGeom>
+        </p:spPr>
+        <p:txBody>
+          <a:bodyPr vert="horz" lIns="91440" tIns="45720" rIns="91440" bIns="45720" rtlCol="0" anchor="b"/>
+          <a:lstStyle>
+            <a:lvl1pPr algn="r">
+              <a:defRPr sz="1200"/>
+            </a:lvl1pPr>
+          </a:lstStyle>
+          <a:p>
+            <a:fld id="{0D018600-8C1C-4284-8A2F-C99CD8EDD54B}" type="slidenum">
+              <a:rPr lang="zh-TW" altLang="en-US" smtClean="0"/>
+              <a:t>‹#›</a:t>
+            </a:fld>
+            <a:endParaRPr lang="zh-TW" altLang="en-US"/>
+          </a:p>
+        </p:txBody>
+      </p:sp>
+    </p:spTree>
+  </p:cSld>
+  <p:clrMap bg1="lt1" tx1="dk1" bg2="lt2" tx2="dk2" accent1="accent1" accent2="accent2" accent3="accent3" accent4="accent4" accent5="accent5" accent6="accent6" hlink="hlink" folHlink="folHlink"/>
+  <p:notesStyle>
+    <a:lvl1pPr marL="0" algn="l" defTabSz="914400" rtl="0" eaLnBrk="1" latinLnBrk="0" hangingPunct="1">
+      <a:defRPr sz="1200" kern="1200">
+        <a:solidFill>
+          <a:schemeClr val="tx1"/>
+        </a:solidFill>
+        <a:latin typeface="+mn-lt"/>
+        <a:ea typeface="+mn-ea"/>
+        <a:cs typeface="+mn-cs"/>
+      </a:defRPr>
+    </a:lvl1pPr>
+    <a:lvl2pPr marL="457200" algn="l" defTabSz="914400" rtl="0" eaLnBrk="1" latinLnBrk="0" hangingPunct="1">
+      <a:defRPr sz="1200" kern="1200">
+        <a:solidFill>
+          <a:schemeClr val="tx1"/>
+        </a:solidFill>
+        <a:latin typeface="+mn-lt"/>
+        <a:ea typeface="+mn-ea"/>
+        <a:cs typeface="+mn-cs"/>
+      </a:defRPr>
+    </a:lvl2pPr>
+    <a:lvl3pPr marL="914400" algn="l" defTabSz="914400" rtl="0" eaLnBrk="1" latinLnBrk="0" hangingPunct="1">
+      <a:defRPr sz="1200" kern="1200">
+        <a:solidFill>
+          <a:schemeClr val="tx1"/>
+        </a:solidFill>
+        <a:latin typeface="+mn-lt"/>
+        <a:ea typeface="+mn-ea"/>
+        <a:cs typeface="+mn-cs"/>
+      </a:defRPr>
+    </a:lvl3pPr>
+    <a:lvl4pPr marL="1371600" algn="l" defTabSz="914400" rtl="0" eaLnBrk="1" latinLnBrk="0" hangingPunct="1">
+      <a:defRPr sz="1200" kern="1200">
+        <a:solidFill>
+          <a:schemeClr val="tx1"/>
+        </a:solidFill>
+        <a:latin typeface="+mn-lt"/>
+        <a:ea typeface="+mn-ea"/>
+        <a:cs typeface="+mn-cs"/>
+      </a:defRPr>
+    </a:lvl4pPr>
+    <a:lvl5pPr marL="1828800" algn="l" defTabSz="914400" rtl="0" eaLnBrk="1" latinLnBrk="0" hangingPunct="1">
+      <a:defRPr sz="1200" kern="1200">
+        <a:solidFill>
+          <a:schemeClr val="tx1"/>
+        </a:solidFill>
+        <a:latin typeface="+mn-lt"/>
+        <a:ea typeface="+mn-ea"/>
+        <a:cs typeface="+mn-cs"/>
+      </a:defRPr>
+    </a:lvl5pPr>
+    <a:lvl6pPr marL="2286000" algn="l" defTabSz="914400" rtl="0" eaLnBrk="1" latinLnBrk="0" hangingPunct="1">
+      <a:defRPr sz="1200" kern="1200">
+        <a:solidFill>
+          <a:schemeClr val="tx1"/>
+        </a:solidFill>
+        <a:latin typeface="+mn-lt"/>
+        <a:ea typeface="+mn-ea"/>
+        <a:cs typeface="+mn-cs"/>
+      </a:defRPr>
+    </a:lvl6pPr>
+    <a:lvl7pPr marL="2743200" algn="l" defTabSz="914400" rtl="0" eaLnBrk="1" latinLnBrk="0" hangingPunct="1">
+      <a:defRPr sz="1200" kern="1200">
+        <a:solidFill>
+          <a:schemeClr val="tx1"/>
+        </a:solidFill>
+        <a:latin typeface="+mn-lt"/>
+        <a:ea typeface="+mn-ea"/>
+        <a:cs typeface="+mn-cs"/>
+      </a:defRPr>
+    </a:lvl7pPr>
+    <a:lvl8pPr marL="3200400" algn="l" defTabSz="914400" rtl="0" eaLnBrk="1" latinLnBrk="0" hangingPunct="1">
+      <a:defRPr sz="1200" kern="1200">
+        <a:solidFill>
+          <a:schemeClr val="tx1"/>
+        </a:solidFill>
+        <a:latin typeface="+mn-lt"/>
+        <a:ea typeface="+mn-ea"/>
+        <a:cs typeface="+mn-cs"/>
+      </a:defRPr>
+    </a:lvl8pPr>
+    <a:lvl9pPr marL="3657600" algn="l" defTabSz="914400" rtl="0" eaLnBrk="1" latinLnBrk="0" hangingPunct="1">
+      <a:defRPr sz="1200" kern="1200">
+        <a:solidFill>
+          <a:schemeClr val="tx1"/>
+        </a:solidFill>
+        <a:latin typeface="+mn-lt"/>
+        <a:ea typeface="+mn-ea"/>
+        <a:cs typeface="+mn-cs"/>
+      </a:defRPr>
+    </a:lvl9pPr>
+  </p:notesStyle>
+</p:notesMaster>
+</file>
+
 <file path=ppt/slideLayouts/slideLayout1.xml><?xml version="1.0" encoding="utf-8"?>
 <p:sldLayout xmlns:a="http://schemas.openxmlformats.org/drawingml/2006/main" xmlns:r="http://schemas.openxmlformats.org/officeDocument/2006/relationships" xmlns:p="http://schemas.openxmlformats.org/presentationml/2006/main" type="title" preserve="1">
   <p:cSld name="Title Slide">
@@ -301,6 +653,7 @@
           <a:p>
             <a:fld id="{B9D58724-F3E7-4F09-A531-216EB4896B8D}" type="datetimeFigureOut">
               <a:rPr lang="en-US" smtClean="0"/>
+              <a:pPr/>
               <a:t>6/13/2012</a:t>
             </a:fld>
             <a:endParaRPr lang="en-US"/>
@@ -343,6 +696,7 @@
           <a:p>
             <a:fld id="{ED440ECB-8456-4B49-8091-0289A2321C51}" type="slidenum">
               <a:rPr lang="en-US" smtClean="0"/>
+              <a:pPr/>
               <a:t>‹#›</a:t>
             </a:fld>
             <a:endParaRPr lang="en-US"/>
@@ -352,7 +706,7 @@
     </p:spTree>
     <p:extLst>
       <p:ext uri="{BB962C8B-B14F-4D97-AF65-F5344CB8AC3E}">
-        <p14:creationId xmlns:p14="http://schemas.microsoft.com/office/powerpoint/2010/main" val="3347829767"/>
+        <p14:creationId xmlns:p14="http://schemas.microsoft.com/office/powerpoint/2010/main" xmlns="" val="3347829767"/>
       </p:ext>
     </p:extLst>
   </p:cSld>
@@ -471,6 +825,7 @@
           <a:p>
             <a:fld id="{B9D58724-F3E7-4F09-A531-216EB4896B8D}" type="datetimeFigureOut">
               <a:rPr lang="en-US" smtClean="0"/>
+              <a:pPr/>
               <a:t>6/13/2012</a:t>
             </a:fld>
             <a:endParaRPr lang="en-US"/>
@@ -513,6 +868,7 @@
           <a:p>
             <a:fld id="{ED440ECB-8456-4B49-8091-0289A2321C51}" type="slidenum">
               <a:rPr lang="en-US" smtClean="0"/>
+              <a:pPr/>
               <a:t>‹#›</a:t>
             </a:fld>
             <a:endParaRPr lang="en-US"/>
@@ -522,7 +878,7 @@
     </p:spTree>
     <p:extLst>
       <p:ext uri="{BB962C8B-B14F-4D97-AF65-F5344CB8AC3E}">
-        <p14:creationId xmlns:p14="http://schemas.microsoft.com/office/powerpoint/2010/main" val="263587156"/>
+        <p14:creationId xmlns:p14="http://schemas.microsoft.com/office/powerpoint/2010/main" xmlns="" val="263587156"/>
       </p:ext>
     </p:extLst>
   </p:cSld>
@@ -651,6 +1007,7 @@
           <a:p>
             <a:fld id="{B9D58724-F3E7-4F09-A531-216EB4896B8D}" type="datetimeFigureOut">
               <a:rPr lang="en-US" smtClean="0"/>
+              <a:pPr/>
               <a:t>6/13/2012</a:t>
             </a:fld>
             <a:endParaRPr lang="en-US"/>
@@ -693,6 +1050,7 @@
           <a:p>
             <a:fld id="{ED440ECB-8456-4B49-8091-0289A2321C51}" type="slidenum">
               <a:rPr lang="en-US" smtClean="0"/>
+              <a:pPr/>
               <a:t>‹#›</a:t>
             </a:fld>
             <a:endParaRPr lang="en-US"/>
@@ -702,7 +1060,7 @@
     </p:spTree>
     <p:extLst>
       <p:ext uri="{BB962C8B-B14F-4D97-AF65-F5344CB8AC3E}">
-        <p14:creationId xmlns:p14="http://schemas.microsoft.com/office/powerpoint/2010/main" val="756594282"/>
+        <p14:creationId xmlns:p14="http://schemas.microsoft.com/office/powerpoint/2010/main" xmlns="" val="756594282"/>
       </p:ext>
     </p:extLst>
   </p:cSld>
@@ -821,6 +1179,7 @@
           <a:p>
             <a:fld id="{B9D58724-F3E7-4F09-A531-216EB4896B8D}" type="datetimeFigureOut">
               <a:rPr lang="en-US" smtClean="0"/>
+              <a:pPr/>
               <a:t>6/13/2012</a:t>
             </a:fld>
             <a:endParaRPr lang="en-US"/>
@@ -863,6 +1222,7 @@
           <a:p>
             <a:fld id="{ED440ECB-8456-4B49-8091-0289A2321C51}" type="slidenum">
               <a:rPr lang="en-US" smtClean="0"/>
+              <a:pPr/>
               <a:t>‹#›</a:t>
             </a:fld>
             <a:endParaRPr lang="en-US"/>
@@ -872,7 +1232,7 @@
     </p:spTree>
     <p:extLst>
       <p:ext uri="{BB962C8B-B14F-4D97-AF65-F5344CB8AC3E}">
-        <p14:creationId xmlns:p14="http://schemas.microsoft.com/office/powerpoint/2010/main" val="3640768727"/>
+        <p14:creationId xmlns:p14="http://schemas.microsoft.com/office/powerpoint/2010/main" xmlns="" val="3640768727"/>
       </p:ext>
     </p:extLst>
   </p:cSld>
@@ -1067,6 +1427,7 @@
           <a:p>
             <a:fld id="{B9D58724-F3E7-4F09-A531-216EB4896B8D}" type="datetimeFigureOut">
               <a:rPr lang="en-US" smtClean="0"/>
+              <a:pPr/>
               <a:t>6/13/2012</a:t>
             </a:fld>
             <a:endParaRPr lang="en-US"/>
@@ -1109,6 +1470,7 @@
           <a:p>
             <a:fld id="{ED440ECB-8456-4B49-8091-0289A2321C51}" type="slidenum">
               <a:rPr lang="en-US" smtClean="0"/>
+              <a:pPr/>
               <a:t>‹#›</a:t>
             </a:fld>
             <a:endParaRPr lang="en-US"/>
@@ -1118,7 +1480,7 @@
     </p:spTree>
     <p:extLst>
       <p:ext uri="{BB962C8B-B14F-4D97-AF65-F5344CB8AC3E}">
-        <p14:creationId xmlns:p14="http://schemas.microsoft.com/office/powerpoint/2010/main" val="1187896239"/>
+        <p14:creationId xmlns:p14="http://schemas.microsoft.com/office/powerpoint/2010/main" xmlns="" val="1187896239"/>
       </p:ext>
     </p:extLst>
   </p:cSld>
@@ -1355,6 +1717,7 @@
           <a:p>
             <a:fld id="{B9D58724-F3E7-4F09-A531-216EB4896B8D}" type="datetimeFigureOut">
               <a:rPr lang="en-US" smtClean="0"/>
+              <a:pPr/>
               <a:t>6/13/2012</a:t>
             </a:fld>
             <a:endParaRPr lang="en-US"/>
@@ -1397,6 +1760,7 @@
           <a:p>
             <a:fld id="{ED440ECB-8456-4B49-8091-0289A2321C51}" type="slidenum">
               <a:rPr lang="en-US" smtClean="0"/>
+              <a:pPr/>
               <a:t>‹#›</a:t>
             </a:fld>
             <a:endParaRPr lang="en-US"/>
@@ -1406,7 +1770,7 @@
     </p:spTree>
     <p:extLst>
       <p:ext uri="{BB962C8B-B14F-4D97-AF65-F5344CB8AC3E}">
-        <p14:creationId xmlns:p14="http://schemas.microsoft.com/office/powerpoint/2010/main" val="3004049693"/>
+        <p14:creationId xmlns:p14="http://schemas.microsoft.com/office/powerpoint/2010/main" xmlns="" val="3004049693"/>
       </p:ext>
     </p:extLst>
   </p:cSld>
@@ -1777,6 +2141,7 @@
           <a:p>
             <a:fld id="{B9D58724-F3E7-4F09-A531-216EB4896B8D}" type="datetimeFigureOut">
               <a:rPr lang="en-US" smtClean="0"/>
+              <a:pPr/>
               <a:t>6/13/2012</a:t>
             </a:fld>
             <a:endParaRPr lang="en-US"/>
@@ -1819,6 +2184,7 @@
           <a:p>
             <a:fld id="{ED440ECB-8456-4B49-8091-0289A2321C51}" type="slidenum">
               <a:rPr lang="en-US" smtClean="0"/>
+              <a:pPr/>
               <a:t>‹#›</a:t>
             </a:fld>
             <a:endParaRPr lang="en-US"/>
@@ -1828,7 +2194,7 @@
     </p:spTree>
     <p:extLst>
       <p:ext uri="{BB962C8B-B14F-4D97-AF65-F5344CB8AC3E}">
-        <p14:creationId xmlns:p14="http://schemas.microsoft.com/office/powerpoint/2010/main" val="567728795"/>
+        <p14:creationId xmlns:p14="http://schemas.microsoft.com/office/powerpoint/2010/main" xmlns="" val="567728795"/>
       </p:ext>
     </p:extLst>
   </p:cSld>
@@ -1895,6 +2261,7 @@
           <a:p>
             <a:fld id="{B9D58724-F3E7-4F09-A531-216EB4896B8D}" type="datetimeFigureOut">
               <a:rPr lang="en-US" smtClean="0"/>
+              <a:pPr/>
               <a:t>6/13/2012</a:t>
             </a:fld>
             <a:endParaRPr lang="en-US"/>
@@ -1937,6 +2304,7 @@
           <a:p>
             <a:fld id="{ED440ECB-8456-4B49-8091-0289A2321C51}" type="slidenum">
               <a:rPr lang="en-US" smtClean="0"/>
+              <a:pPr/>
               <a:t>‹#›</a:t>
             </a:fld>
             <a:endParaRPr lang="en-US"/>
@@ -1946,7 +2314,7 @@
     </p:spTree>
     <p:extLst>
       <p:ext uri="{BB962C8B-B14F-4D97-AF65-F5344CB8AC3E}">
-        <p14:creationId xmlns:p14="http://schemas.microsoft.com/office/powerpoint/2010/main" val="2433102960"/>
+        <p14:creationId xmlns:p14="http://schemas.microsoft.com/office/powerpoint/2010/main" xmlns="" val="2433102960"/>
       </p:ext>
     </p:extLst>
   </p:cSld>
@@ -1990,6 +2358,7 @@
           <a:p>
             <a:fld id="{B9D58724-F3E7-4F09-A531-216EB4896B8D}" type="datetimeFigureOut">
               <a:rPr lang="en-US" smtClean="0"/>
+              <a:pPr/>
               <a:t>6/13/2012</a:t>
             </a:fld>
             <a:endParaRPr lang="en-US"/>
@@ -2032,6 +2401,7 @@
           <a:p>
             <a:fld id="{ED440ECB-8456-4B49-8091-0289A2321C51}" type="slidenum">
               <a:rPr lang="en-US" smtClean="0"/>
+              <a:pPr/>
               <a:t>‹#›</a:t>
             </a:fld>
             <a:endParaRPr lang="en-US"/>
@@ -2041,7 +2411,7 @@
     </p:spTree>
     <p:extLst>
       <p:ext uri="{BB962C8B-B14F-4D97-AF65-F5344CB8AC3E}">
-        <p14:creationId xmlns:p14="http://schemas.microsoft.com/office/powerpoint/2010/main" val="1529369163"/>
+        <p14:creationId xmlns:p14="http://schemas.microsoft.com/office/powerpoint/2010/main" xmlns="" val="1529369163"/>
       </p:ext>
     </p:extLst>
   </p:cSld>
@@ -2267,6 +2637,7 @@
           <a:p>
             <a:fld id="{B9D58724-F3E7-4F09-A531-216EB4896B8D}" type="datetimeFigureOut">
               <a:rPr lang="en-US" smtClean="0"/>
+              <a:pPr/>
               <a:t>6/13/2012</a:t>
             </a:fld>
             <a:endParaRPr lang="en-US"/>
@@ -2309,6 +2680,7 @@
           <a:p>
             <a:fld id="{ED440ECB-8456-4B49-8091-0289A2321C51}" type="slidenum">
               <a:rPr lang="en-US" smtClean="0"/>
+              <a:pPr/>
               <a:t>‹#›</a:t>
             </a:fld>
             <a:endParaRPr lang="en-US"/>
@@ -2318,7 +2690,7 @@
     </p:spTree>
     <p:extLst>
       <p:ext uri="{BB962C8B-B14F-4D97-AF65-F5344CB8AC3E}">
-        <p14:creationId xmlns:p14="http://schemas.microsoft.com/office/powerpoint/2010/main" val="2398999126"/>
+        <p14:creationId xmlns:p14="http://schemas.microsoft.com/office/powerpoint/2010/main" xmlns="" val="2398999126"/>
       </p:ext>
     </p:extLst>
   </p:cSld>
@@ -2520,6 +2892,7 @@
           <a:p>
             <a:fld id="{B9D58724-F3E7-4F09-A531-216EB4896B8D}" type="datetimeFigureOut">
               <a:rPr lang="en-US" smtClean="0"/>
+              <a:pPr/>
               <a:t>6/13/2012</a:t>
             </a:fld>
             <a:endParaRPr lang="en-US"/>
@@ -2562,6 +2935,7 @@
           <a:p>
             <a:fld id="{ED440ECB-8456-4B49-8091-0289A2321C51}" type="slidenum">
               <a:rPr lang="en-US" smtClean="0"/>
+              <a:pPr/>
               <a:t>‹#›</a:t>
             </a:fld>
             <a:endParaRPr lang="en-US"/>
@@ -2571,7 +2945,7 @@
     </p:spTree>
     <p:extLst>
       <p:ext uri="{BB962C8B-B14F-4D97-AF65-F5344CB8AC3E}">
-        <p14:creationId xmlns:p14="http://schemas.microsoft.com/office/powerpoint/2010/main" val="2348205712"/>
+        <p14:creationId xmlns:p14="http://schemas.microsoft.com/office/powerpoint/2010/main" xmlns="" val="2348205712"/>
       </p:ext>
     </p:extLst>
   </p:cSld>
@@ -2733,6 +3107,7 @@
           <a:p>
             <a:fld id="{B9D58724-F3E7-4F09-A531-216EB4896B8D}" type="datetimeFigureOut">
               <a:rPr lang="en-US" smtClean="0"/>
+              <a:pPr/>
               <a:t>6/13/2012</a:t>
             </a:fld>
             <a:endParaRPr lang="en-US"/>
@@ -2811,6 +3186,7 @@
           <a:p>
             <a:fld id="{ED440ECB-8456-4B49-8091-0289A2321C51}" type="slidenum">
               <a:rPr lang="en-US" smtClean="0"/>
+              <a:pPr/>
               <a:t>‹#›</a:t>
             </a:fld>
             <a:endParaRPr lang="en-US"/>
@@ -2820,7 +3196,7 @@
     </p:spTree>
     <p:extLst>
       <p:ext uri="{BB962C8B-B14F-4D97-AF65-F5344CB8AC3E}">
-        <p14:creationId xmlns:p14="http://schemas.microsoft.com/office/powerpoint/2010/main" val="2393913971"/>
+        <p14:creationId xmlns:p14="http://schemas.microsoft.com/office/powerpoint/2010/main" xmlns="" val="2393913971"/>
       </p:ext>
     </p:extLst>
   </p:cSld>
@@ -3175,13 +3551,20 @@
     </p:spTree>
     <p:extLst>
       <p:ext uri="{BB962C8B-B14F-4D97-AF65-F5344CB8AC3E}">
-        <p14:creationId xmlns:p14="http://schemas.microsoft.com/office/powerpoint/2010/main" val="489339461"/>
+        <p14:creationId xmlns:p14="http://schemas.microsoft.com/office/powerpoint/2010/main" xmlns="" val="489339461"/>
       </p:ext>
     </p:extLst>
   </p:cSld>
   <p:clrMapOvr>
     <a:masterClrMapping/>
   </p:clrMapOvr>
+  <p:timing>
+    <p:tnLst>
+      <p:par>
+        <p:cTn id="1" dur="indefinite" restart="never" nodeType="tmRoot"/>
+      </p:par>
+    </p:tnLst>
+  </p:timing>
 </p:sld>
 </file>
 
@@ -3236,10 +3619,10 @@
           <p:nvPr/>
         </p:nvPicPr>
         <p:blipFill>
-          <a:blip r:embed="rId2">
+          <a:blip r:embed="rId2" cstate="print">
             <a:extLst>
               <a:ext uri="{28A0092B-C50C-407E-A947-70E740481C1C}">
-                <a14:useLocalDpi xmlns:a14="http://schemas.microsoft.com/office/drawing/2010/main" val="0"/>
+                <a14:useLocalDpi xmlns:a14="http://schemas.microsoft.com/office/drawing/2010/main" xmlns="" val="0"/>
               </a:ext>
             </a:extLst>
           </a:blip>
@@ -3249,8 +3632,8 @@
         </p:blipFill>
         <p:spPr>
           <a:xfrm>
-            <a:off x="0" y="1477347"/>
-            <a:ext cx="9144000" cy="3903306"/>
+            <a:off x="381000" y="1752600"/>
+            <a:ext cx="8458200" cy="3610558"/>
           </a:xfrm>
           <a:prstGeom prst="rect">
             <a:avLst/>
@@ -3260,13 +3643,20 @@
     </p:spTree>
     <p:extLst>
       <p:ext uri="{BB962C8B-B14F-4D97-AF65-F5344CB8AC3E}">
-        <p14:creationId xmlns:p14="http://schemas.microsoft.com/office/powerpoint/2010/main" val="850323963"/>
+        <p14:creationId xmlns:p14="http://schemas.microsoft.com/office/powerpoint/2010/main" xmlns="" val="850323963"/>
       </p:ext>
     </p:extLst>
   </p:cSld>
   <p:clrMapOvr>
     <a:masterClrMapping/>
   </p:clrMapOvr>
+  <p:timing>
+    <p:tnLst>
+      <p:par>
+        <p:cTn id="1" dur="indefinite" restart="never" nodeType="tmRoot"/>
+      </p:par>
+    </p:tnLst>
+  </p:timing>
 </p:sld>
 </file>
 
@@ -3321,10 +3711,10 @@
           </p:nvPr>
         </p:nvPicPr>
         <p:blipFill>
-          <a:blip r:embed="rId2">
+          <a:blip r:embed="rId2" cstate="print">
             <a:extLst>
               <a:ext uri="{28A0092B-C50C-407E-A947-70E740481C1C}">
-                <a14:useLocalDpi xmlns:a14="http://schemas.microsoft.com/office/drawing/2010/main" val="0"/>
+                <a14:useLocalDpi xmlns:a14="http://schemas.microsoft.com/office/drawing/2010/main" xmlns="" val="0"/>
               </a:ext>
             </a:extLst>
           </a:blip>
@@ -3342,13 +3732,20 @@
     </p:spTree>
     <p:extLst>
       <p:ext uri="{BB962C8B-B14F-4D97-AF65-F5344CB8AC3E}">
-        <p14:creationId xmlns:p14="http://schemas.microsoft.com/office/powerpoint/2010/main" val="2705001002"/>
+        <p14:creationId xmlns:p14="http://schemas.microsoft.com/office/powerpoint/2010/main" xmlns="" val="2705001002"/>
       </p:ext>
     </p:extLst>
   </p:cSld>
   <p:clrMapOvr>
     <a:masterClrMapping/>
   </p:clrMapOvr>
+  <p:timing>
+    <p:tnLst>
+      <p:par>
+        <p:cTn id="1" dur="indefinite" restart="never" nodeType="tmRoot"/>
+      </p:par>
+    </p:tnLst>
+  </p:timing>
 </p:sld>
 </file>
 
@@ -3386,7 +3783,7 @@
           <a:p>
             <a:r>
               <a:rPr lang="en-US" dirty="0" smtClean="0"/>
-              <a:t>Relaxation</a:t>
+              <a:t>Relaxation of the primal</a:t>
             </a:r>
             <a:endParaRPr lang="en-US" dirty="0"/>
           </a:p>
@@ -3394,20 +3791,14 @@
       </p:sp>
       <p:pic>
         <p:nvPicPr>
-          <p:cNvPr id="3074" name="Picture 2" descr="C:\Users\Phuc\Documents\Research\Scene Text Project\slides\relaxation.png"/>
+          <p:cNvPr id="19460" name="Picture 4"/>
           <p:cNvPicPr>
             <a:picLocks noChangeAspect="1" noChangeArrowheads="1"/>
           </p:cNvPicPr>
           <p:nvPr/>
         </p:nvPicPr>
         <p:blipFill>
-          <a:blip r:embed="rId2">
-            <a:extLst>
-              <a:ext uri="{28A0092B-C50C-407E-A947-70E740481C1C}">
-                <a14:useLocalDpi xmlns:a14="http://schemas.microsoft.com/office/drawing/2010/main" val="0"/>
-              </a:ext>
-            </a:extLst>
-          </a:blip>
+          <a:blip r:embed="rId2" cstate="print"/>
           <a:srcRect/>
           <a:stretch>
             <a:fillRect/>
@@ -3415,34 +3806,38 @@
         </p:blipFill>
         <p:spPr bwMode="auto">
           <a:xfrm>
-            <a:off x="1446213" y="1733550"/>
-            <a:ext cx="6249987" cy="3390900"/>
+            <a:off x="914400" y="1219200"/>
+            <a:ext cx="6972300" cy="4857750"/>
           </a:xfrm>
           <a:prstGeom prst="rect">
             <a:avLst/>
           </a:prstGeom>
           <a:noFill/>
-          <a:extLst>
-            <a:ext uri="{909E8E84-426E-40DD-AFC4-6F175D3DCCD1}">
-              <a14:hiddenFill xmlns:a14="http://schemas.microsoft.com/office/drawing/2010/main">
-                <a:solidFill>
-                  <a:srgbClr val="FFFFFF"/>
-                </a:solidFill>
-              </a14:hiddenFill>
-            </a:ext>
-          </a:extLst>
+          <a:ln w="9525">
+            <a:noFill/>
+            <a:miter lim="800000"/>
+            <a:headEnd/>
+            <a:tailEnd/>
+          </a:ln>
         </p:spPr>
       </p:pic>
     </p:spTree>
     <p:extLst>
       <p:ext uri="{BB962C8B-B14F-4D97-AF65-F5344CB8AC3E}">
-        <p14:creationId xmlns:p14="http://schemas.microsoft.com/office/powerpoint/2010/main" val="2942224138"/>
+        <p14:creationId xmlns:p14="http://schemas.microsoft.com/office/powerpoint/2010/main" xmlns="" val="2942224138"/>
       </p:ext>
     </p:extLst>
   </p:cSld>
   <p:clrMapOvr>
     <a:masterClrMapping/>
   </p:clrMapOvr>
+  <p:timing>
+    <p:tnLst>
+      <p:par>
+        <p:cTn id="1" dur="indefinite" restart="never" nodeType="tmRoot"/>
+      </p:par>
+    </p:tnLst>
+  </p:timing>
 </p:sld>
 </file>
 
@@ -3486,45 +3881,158 @@
           </a:p>
         </p:txBody>
       </p:sp>
-      <p:sp>
-        <p:nvSpPr>
-          <p:cNvPr id="3" name="Content Placeholder 2"/>
-          <p:cNvSpPr>
-            <a:spLocks noGrp="1"/>
-          </p:cNvSpPr>
-          <p:nvPr>
-            <p:ph idx="1"/>
-          </p:nvPr>
-        </p:nvSpPr>
-        <p:spPr/>
-        <p:txBody>
-          <a:bodyPr/>
-          <a:lstStyle/>
-          <a:p>
-            <a:r>
-              <a:rPr lang="en-US" dirty="0" err="1" smtClean="0"/>
-              <a:t>Abc</a:t>
-            </a:r>
-            <a:endParaRPr lang="en-US" dirty="0" smtClean="0"/>
-          </a:p>
-          <a:p>
-            <a:pPr marL="0" indent="0">
-              <a:buNone/>
-            </a:pPr>
-            <a:endParaRPr lang="en-US" dirty="0"/>
+      <p:pic>
+        <p:nvPicPr>
+          <p:cNvPr id="18443" name="Picture 11" descr="C:\Users\John\Documents\MATLAB\svt\test\wordsPad\I00302.jpg"/>
+          <p:cNvPicPr>
+            <a:picLocks noChangeAspect="1" noChangeArrowheads="1"/>
+          </p:cNvPicPr>
+          <p:nvPr/>
+        </p:nvPicPr>
+        <p:blipFill>
+          <a:blip r:embed="rId2" cstate="print"/>
+          <a:srcRect/>
+          <a:stretch>
+            <a:fillRect/>
+          </a:stretch>
+        </p:blipFill>
+        <p:spPr bwMode="auto">
+          <a:xfrm>
+            <a:off x="838200" y="1600200"/>
+            <a:ext cx="3587496" cy="838200"/>
+          </a:xfrm>
+          <a:prstGeom prst="rect">
+            <a:avLst/>
+          </a:prstGeom>
+          <a:noFill/>
+        </p:spPr>
+      </p:pic>
+      <p:pic>
+        <p:nvPicPr>
+          <p:cNvPr id="18444" name="Picture 12" descr="C:\Users\John\Documents\MATLAB\svt\test\wordsPad\I00233.jpg"/>
+          <p:cNvPicPr>
+            <a:picLocks noChangeAspect="1" noChangeArrowheads="1"/>
+          </p:cNvPicPr>
+          <p:nvPr/>
+        </p:nvPicPr>
+        <p:blipFill>
+          <a:blip r:embed="rId3" cstate="print"/>
+          <a:srcRect/>
+          <a:stretch>
+            <a:fillRect/>
+          </a:stretch>
+        </p:blipFill>
+        <p:spPr bwMode="auto">
+          <a:xfrm>
+            <a:off x="1066800" y="2819400"/>
+            <a:ext cx="2834640" cy="1066800"/>
+          </a:xfrm>
+          <a:prstGeom prst="rect">
+            <a:avLst/>
+          </a:prstGeom>
+          <a:noFill/>
+        </p:spPr>
+      </p:pic>
+      <p:pic>
+        <p:nvPicPr>
+          <p:cNvPr id="18445" name="Picture 13" descr="C:\Users\John\Documents\MATLAB\svt\test\wordsPad\I00293.jpg"/>
+          <p:cNvPicPr>
+            <a:picLocks noChangeAspect="1" noChangeArrowheads="1"/>
+          </p:cNvPicPr>
+          <p:nvPr/>
+        </p:nvPicPr>
+        <p:blipFill>
+          <a:blip r:embed="rId4" cstate="print"/>
+          <a:srcRect/>
+          <a:stretch>
+            <a:fillRect/>
+          </a:stretch>
+        </p:blipFill>
+        <p:spPr bwMode="auto">
+          <a:xfrm>
+            <a:off x="914400" y="4648200"/>
+            <a:ext cx="3038475" cy="1257300"/>
+          </a:xfrm>
+          <a:prstGeom prst="rect">
+            <a:avLst/>
+          </a:prstGeom>
+          <a:noFill/>
+        </p:spPr>
+      </p:pic>
+      <p:sp>
+        <p:nvSpPr>
+          <p:cNvPr id="17" name="文字方塊 16"/>
+          <p:cNvSpPr txBox="1"/>
+          <p:nvPr/>
+        </p:nvSpPr>
+        <p:spPr>
+          <a:xfrm>
+            <a:off x="4648200" y="1676400"/>
+            <a:ext cx="4343400" cy="2308324"/>
+          </a:xfrm>
+          <a:prstGeom prst="rect">
+            <a:avLst/>
+          </a:prstGeom>
+          <a:noFill/>
+        </p:spPr>
+        <p:txBody>
+          <a:bodyPr wrap="square" rtlCol="0">
+            <a:spAutoFit/>
+          </a:bodyPr>
+          <a:lstStyle/>
+          <a:p>
+            <a:r>
+              <a:rPr lang="en-US" altLang="zh-TW" dirty="0" smtClean="0"/>
+              <a:t>Training data: Char-74K, ICDAR 2003, synthetic data</a:t>
+            </a:r>
+          </a:p>
+          <a:p>
+            <a:endParaRPr lang="en-US" altLang="zh-TW" dirty="0" smtClean="0"/>
+          </a:p>
+          <a:p>
+            <a:r>
+              <a:rPr lang="en-US" altLang="zh-TW" dirty="0" smtClean="0"/>
+              <a:t>Features: Histogram of Gradient</a:t>
+            </a:r>
+          </a:p>
+          <a:p>
+            <a:endParaRPr lang="en-US" altLang="zh-TW" dirty="0" smtClean="0"/>
+          </a:p>
+          <a:p>
+            <a:r>
+              <a:rPr lang="en-US" altLang="zh-TW" dirty="0" smtClean="0"/>
+              <a:t>Classifier: SVM with RBF kernel</a:t>
+            </a:r>
+          </a:p>
+          <a:p>
+            <a:endParaRPr lang="en-US" altLang="zh-TW" dirty="0" smtClean="0"/>
+          </a:p>
+          <a:p>
+            <a:r>
+              <a:rPr lang="en-US" altLang="zh-TW" dirty="0" smtClean="0"/>
+              <a:t>Lexicon: 427 words</a:t>
+            </a:r>
+            <a:endParaRPr lang="zh-TW" altLang="en-US" dirty="0"/>
           </a:p>
         </p:txBody>
       </p:sp>
     </p:spTree>
     <p:extLst>
       <p:ext uri="{BB962C8B-B14F-4D97-AF65-F5344CB8AC3E}">
-        <p14:creationId xmlns:p14="http://schemas.microsoft.com/office/powerpoint/2010/main" val="3405326199"/>
+        <p14:creationId xmlns:p14="http://schemas.microsoft.com/office/powerpoint/2010/main" xmlns="" val="3405326199"/>
       </p:ext>
     </p:extLst>
   </p:cSld>
   <p:clrMapOvr>
     <a:masterClrMapping/>
   </p:clrMapOvr>
+  <p:timing>
+    <p:tnLst>
+      <p:par>
+        <p:cTn id="1" dur="indefinite" restart="never" nodeType="tmRoot"/>
+      </p:par>
+    </p:tnLst>
+  </p:timing>
 </p:sld>
 </file>
 
@@ -3547,6 +4055,232 @@
       </p:grpSpPr>
       <p:sp>
         <p:nvSpPr>
+          <p:cNvPr id="2" name="標題 1"/>
+          <p:cNvSpPr>
+            <a:spLocks noGrp="1"/>
+          </p:cNvSpPr>
+          <p:nvPr>
+            <p:ph type="title"/>
+          </p:nvPr>
+        </p:nvSpPr>
+        <p:spPr/>
+        <p:txBody>
+          <a:bodyPr/>
+          <a:lstStyle/>
+          <a:p>
+            <a:r>
+              <a:rPr lang="en-US" altLang="zh-TW" dirty="0" smtClean="0"/>
+              <a:t>Results</a:t>
+            </a:r>
+            <a:endParaRPr lang="zh-TW" altLang="en-US" dirty="0"/>
+          </a:p>
+        </p:txBody>
+      </p:sp>
+      <p:sp>
+        <p:nvSpPr>
+          <p:cNvPr id="3" name="內容版面配置區 2"/>
+          <p:cNvSpPr>
+            <a:spLocks noGrp="1"/>
+          </p:cNvSpPr>
+          <p:nvPr>
+            <p:ph idx="1"/>
+          </p:nvPr>
+        </p:nvSpPr>
+        <p:spPr/>
+        <p:txBody>
+          <a:bodyPr/>
+          <a:lstStyle/>
+          <a:p>
+            <a:r>
+              <a:rPr lang="en-US" altLang="zh-TW" dirty="0" smtClean="0"/>
+              <a:t>Character detection:</a:t>
+            </a:r>
+          </a:p>
+          <a:p>
+            <a:pPr lvl="1"/>
+            <a:r>
+              <a:rPr lang="en-US" altLang="zh-TW" dirty="0" smtClean="0"/>
+              <a:t>Random Ferns + HOG: 54% (previous)</a:t>
+            </a:r>
+          </a:p>
+          <a:p>
+            <a:pPr lvl="1"/>
+            <a:r>
+              <a:rPr lang="en-US" altLang="zh-TW" dirty="0" smtClean="0"/>
+              <a:t>SVM + HOG: 85% </a:t>
+            </a:r>
+            <a:r>
+              <a:rPr lang="en-US" altLang="zh-TW" dirty="0" smtClean="0"/>
+              <a:t>(proposed)</a:t>
+            </a:r>
+            <a:endParaRPr lang="en-US" altLang="zh-TW" dirty="0" smtClean="0"/>
+          </a:p>
+          <a:p>
+            <a:pPr>
+              <a:buNone/>
+            </a:pPr>
+            <a:endParaRPr lang="zh-TW" altLang="en-US" dirty="0"/>
+          </a:p>
+        </p:txBody>
+      </p:sp>
+      <p:pic>
+        <p:nvPicPr>
+          <p:cNvPr id="4" name="Picture 2"/>
+          <p:cNvPicPr>
+            <a:picLocks noChangeAspect="1" noChangeArrowheads="1"/>
+          </p:cNvPicPr>
+          <p:nvPr/>
+        </p:nvPicPr>
+        <p:blipFill>
+          <a:blip r:embed="rId2" cstate="print"/>
+          <a:srcRect/>
+          <a:stretch>
+            <a:fillRect/>
+          </a:stretch>
+        </p:blipFill>
+        <p:spPr bwMode="auto">
+          <a:xfrm>
+            <a:off x="1371600" y="3810000"/>
+            <a:ext cx="6553200" cy="2688492"/>
+          </a:xfrm>
+          <a:prstGeom prst="rect">
+            <a:avLst/>
+          </a:prstGeom>
+          <a:noFill/>
+          <a:ln w="9525">
+            <a:noFill/>
+            <a:miter lim="800000"/>
+            <a:headEnd/>
+            <a:tailEnd/>
+          </a:ln>
+        </p:spPr>
+      </p:pic>
+    </p:spTree>
+  </p:cSld>
+  <p:clrMapOvr>
+    <a:masterClrMapping/>
+  </p:clrMapOvr>
+</p:sld>
+</file>
+
+<file path=ppt/slides/slide15.xml><?xml version="1.0" encoding="utf-8"?>
+<p:sld xmlns:a="http://schemas.openxmlformats.org/drawingml/2006/main" xmlns:r="http://schemas.openxmlformats.org/officeDocument/2006/relationships" xmlns:p="http://schemas.openxmlformats.org/presentationml/2006/main">
+  <p:cSld>
+    <p:spTree>
+      <p:nvGrpSpPr>
+        <p:cNvPr id="1" name=""/>
+        <p:cNvGrpSpPr/>
+        <p:nvPr/>
+      </p:nvGrpSpPr>
+      <p:grpSpPr>
+        <a:xfrm>
+          <a:off x="0" y="0"/>
+          <a:ext cx="0" cy="0"/>
+          <a:chOff x="0" y="0"/>
+          <a:chExt cx="0" cy="0"/>
+        </a:xfrm>
+      </p:grpSpPr>
+      <p:sp>
+        <p:nvSpPr>
+          <p:cNvPr id="2" name="標題 1"/>
+          <p:cNvSpPr>
+            <a:spLocks noGrp="1"/>
+          </p:cNvSpPr>
+          <p:nvPr>
+            <p:ph type="title"/>
+          </p:nvPr>
+        </p:nvSpPr>
+        <p:spPr/>
+        <p:txBody>
+          <a:bodyPr/>
+          <a:lstStyle/>
+          <a:p>
+            <a:r>
+              <a:rPr lang="en-US" altLang="zh-TW" dirty="0" smtClean="0"/>
+              <a:t>Result</a:t>
+            </a:r>
+            <a:endParaRPr lang="zh-TW" altLang="en-US" dirty="0"/>
+          </a:p>
+        </p:txBody>
+      </p:sp>
+      <p:sp>
+        <p:nvSpPr>
+          <p:cNvPr id="3" name="內容版面配置區 2"/>
+          <p:cNvSpPr>
+            <a:spLocks noGrp="1"/>
+          </p:cNvSpPr>
+          <p:nvPr>
+            <p:ph idx="1"/>
+          </p:nvPr>
+        </p:nvSpPr>
+        <p:spPr/>
+        <p:txBody>
+          <a:bodyPr/>
+          <a:lstStyle/>
+          <a:p>
+            <a:endParaRPr lang="zh-TW" altLang="en-US"/>
+          </a:p>
+        </p:txBody>
+      </p:sp>
+      <p:pic>
+        <p:nvPicPr>
+          <p:cNvPr id="4" name="Picture 2"/>
+          <p:cNvPicPr>
+            <a:picLocks noChangeAspect="1" noChangeArrowheads="1"/>
+          </p:cNvPicPr>
+          <p:nvPr/>
+        </p:nvPicPr>
+        <p:blipFill>
+          <a:blip r:embed="rId2" cstate="print"/>
+          <a:srcRect/>
+          <a:stretch>
+            <a:fillRect/>
+          </a:stretch>
+        </p:blipFill>
+        <p:spPr bwMode="auto">
+          <a:xfrm>
+            <a:off x="609600" y="1905000"/>
+            <a:ext cx="7994648" cy="4296114"/>
+          </a:xfrm>
+          <a:prstGeom prst="rect">
+            <a:avLst/>
+          </a:prstGeom>
+          <a:noFill/>
+          <a:ln w="9525">
+            <a:noFill/>
+            <a:miter lim="800000"/>
+            <a:headEnd/>
+            <a:tailEnd/>
+          </a:ln>
+        </p:spPr>
+      </p:pic>
+    </p:spTree>
+  </p:cSld>
+  <p:clrMapOvr>
+    <a:masterClrMapping/>
+  </p:clrMapOvr>
+</p:sld>
+</file>
+
+<file path=ppt/slides/slide16.xml><?xml version="1.0" encoding="utf-8"?>
+<p:sld xmlns:a="http://schemas.openxmlformats.org/drawingml/2006/main" xmlns:r="http://schemas.openxmlformats.org/officeDocument/2006/relationships" xmlns:p="http://schemas.openxmlformats.org/presentationml/2006/main">
+  <p:cSld>
+    <p:spTree>
+      <p:nvGrpSpPr>
+        <p:cNvPr id="1" name=""/>
+        <p:cNvGrpSpPr/>
+        <p:nvPr/>
+      </p:nvGrpSpPr>
+      <p:grpSpPr>
+        <a:xfrm>
+          <a:off x="0" y="0"/>
+          <a:ext cx="0" cy="0"/>
+          <a:chOff x="0" y="0"/>
+          <a:chExt cx="0" cy="0"/>
+        </a:xfrm>
+      </p:grpSpPr>
+      <p:sp>
+        <p:nvSpPr>
           <p:cNvPr id="2" name="Title 1"/>
           <p:cNvSpPr>
             <a:spLocks noGrp="1"/>
@@ -3562,35 +4296,128 @@
           <a:p>
             <a:r>
               <a:rPr lang="en-US" dirty="0" smtClean="0"/>
-              <a:t>Results</a:t>
+              <a:t>Experiments</a:t>
             </a:r>
             <a:endParaRPr lang="en-US" dirty="0"/>
           </a:p>
         </p:txBody>
       </p:sp>
-      <p:sp>
-        <p:nvSpPr>
-          <p:cNvPr id="3" name="Content Placeholder 2"/>
-          <p:cNvSpPr>
-            <a:spLocks noGrp="1"/>
-          </p:cNvSpPr>
+      <p:pic>
+        <p:nvPicPr>
+          <p:cNvPr id="18434" name="Picture 2" descr="C:\Users\John\Documents\MATLAB\svt\test\wordsPad\I00057.jpg"/>
+          <p:cNvPicPr>
+            <a:picLocks noChangeAspect="1" noChangeArrowheads="1"/>
+          </p:cNvPicPr>
+          <p:nvPr/>
+        </p:nvPicPr>
+        <p:blipFill>
+          <a:blip r:embed="rId2" cstate="print"/>
+          <a:srcRect/>
+          <a:stretch>
+            <a:fillRect/>
+          </a:stretch>
+        </p:blipFill>
+        <p:spPr bwMode="auto">
+          <a:xfrm>
+            <a:off x="766822" y="3124200"/>
+            <a:ext cx="3500378" cy="1447800"/>
+          </a:xfrm>
+          <a:prstGeom prst="rect">
+            <a:avLst/>
+          </a:prstGeom>
+          <a:noFill/>
+        </p:spPr>
+      </p:pic>
+      <p:pic>
+        <p:nvPicPr>
+          <p:cNvPr id="18436" name="Picture 4" descr="C:\Users\John\Documents\MATLAB\svt\test\wordsPad\I00015.jpg"/>
+          <p:cNvPicPr>
+            <a:picLocks noChangeAspect="1" noChangeArrowheads="1"/>
+          </p:cNvPicPr>
+          <p:nvPr/>
+        </p:nvPicPr>
+        <p:blipFill>
+          <a:blip r:embed="rId3" cstate="print"/>
+          <a:srcRect/>
+          <a:stretch>
+            <a:fillRect/>
+          </a:stretch>
+        </p:blipFill>
+        <p:spPr bwMode="auto">
+          <a:xfrm>
+            <a:off x="762000" y="1905000"/>
+            <a:ext cx="3511236" cy="990600"/>
+          </a:xfrm>
+          <a:prstGeom prst="rect">
+            <a:avLst/>
+          </a:prstGeom>
+          <a:noFill/>
+        </p:spPr>
+      </p:pic>
+      <p:pic>
+        <p:nvPicPr>
+          <p:cNvPr id="18438" name="Picture 6"/>
+          <p:cNvPicPr>
+            <a:picLocks noChangeAspect="1" noChangeArrowheads="1"/>
+          </p:cNvPicPr>
+          <p:nvPr/>
+        </p:nvPicPr>
+        <p:blipFill>
+          <a:blip r:embed="rId4" cstate="print"/>
+          <a:srcRect/>
+          <a:stretch>
+            <a:fillRect/>
+          </a:stretch>
+        </p:blipFill>
+        <p:spPr bwMode="auto">
+          <a:xfrm>
+            <a:off x="4876800" y="1828800"/>
+            <a:ext cx="3669964" cy="4343400"/>
+          </a:xfrm>
+          <a:prstGeom prst="rect">
+            <a:avLst/>
+          </a:prstGeom>
+          <a:noFill/>
+          <a:ln w="9525">
+            <a:noFill/>
+            <a:miter lim="800000"/>
+            <a:headEnd/>
+            <a:tailEnd/>
+          </a:ln>
+        </p:spPr>
+      </p:pic>
+      <p:pic>
+        <p:nvPicPr>
+          <p:cNvPr id="18439" name="Picture 7" descr="C:\Users\John\Documents\MATLAB\svt\test\wordsPad\I00064.jpg"/>
+          <p:cNvPicPr>
+            <a:picLocks noGrp="1" noChangeAspect="1" noChangeArrowheads="1"/>
+          </p:cNvPicPr>
           <p:nvPr>
             <p:ph idx="1"/>
           </p:nvPr>
-        </p:nvSpPr>
-        <p:spPr/>
-        <p:txBody>
-          <a:bodyPr/>
-          <a:lstStyle/>
-          <a:p>
-            <a:endParaRPr lang="en-US"/>
-          </a:p>
-        </p:txBody>
-      </p:sp>
+        </p:nvPicPr>
+        <p:blipFill>
+          <a:blip r:embed="rId5" cstate="print"/>
+          <a:srcRect/>
+          <a:stretch>
+            <a:fillRect/>
+          </a:stretch>
+        </p:blipFill>
+        <p:spPr bwMode="auto">
+          <a:xfrm>
+            <a:off x="838200" y="4876800"/>
+            <a:ext cx="3382108" cy="1192336"/>
+          </a:xfrm>
+          <a:prstGeom prst="rect">
+            <a:avLst/>
+          </a:prstGeom>
+          <a:noFill/>
+        </p:spPr>
+      </p:pic>
     </p:spTree>
     <p:extLst>
       <p:ext uri="{BB962C8B-B14F-4D97-AF65-F5344CB8AC3E}">
-        <p14:creationId xmlns:p14="http://schemas.microsoft.com/office/powerpoint/2010/main" val="4161482257"/>
+        <p14:creationId xmlns:p14="http://schemas.microsoft.com/office/powerpoint/2010/main" xmlns="" val="3405326199"/>
       </p:ext>
     </p:extLst>
   </p:cSld>
@@ -3619,7 +4446,7 @@
       </p:grpSpPr>
       <p:sp>
         <p:nvSpPr>
-          <p:cNvPr id="2" name="Title 1"/>
+          <p:cNvPr id="2" name="標題 1"/>
           <p:cNvSpPr>
             <a:spLocks noGrp="1"/>
           </p:cNvSpPr>
@@ -3629,86 +4456,364 @@
         </p:nvSpPr>
         <p:spPr/>
         <p:txBody>
-          <a:bodyPr>
-            <a:normAutofit fontScale="90000"/>
+          <a:bodyPr/>
+          <a:lstStyle/>
+          <a:p>
+            <a:r>
+              <a:rPr lang="en-US" altLang="zh-TW" dirty="0" smtClean="0"/>
+              <a:t>Overview</a:t>
+            </a:r>
+            <a:endParaRPr lang="zh-TW" altLang="en-US" dirty="0"/>
+          </a:p>
+        </p:txBody>
+      </p:sp>
+      <p:sp>
+        <p:nvSpPr>
+          <p:cNvPr id="4" name="圓角矩形 3"/>
+          <p:cNvSpPr/>
+          <p:nvPr/>
+        </p:nvSpPr>
+        <p:spPr>
+          <a:xfrm>
+            <a:off x="1371600" y="2667000"/>
+            <a:ext cx="1524000" cy="1295400"/>
+          </a:xfrm>
+          <a:prstGeom prst="roundRect">
+            <a:avLst/>
+          </a:prstGeom>
+        </p:spPr>
+        <p:style>
+          <a:lnRef idx="2">
+            <a:schemeClr val="accent1">
+              <a:shade val="50000"/>
+            </a:schemeClr>
+          </a:lnRef>
+          <a:fillRef idx="1">
+            <a:schemeClr val="accent1"/>
+          </a:fillRef>
+          <a:effectRef idx="0">
+            <a:schemeClr val="accent1"/>
+          </a:effectRef>
+          <a:fontRef idx="minor">
+            <a:schemeClr val="lt1"/>
+          </a:fontRef>
+        </p:style>
+        <p:txBody>
+          <a:bodyPr rtlCol="0" anchor="ctr"/>
+          <a:lstStyle/>
+          <a:p>
+            <a:pPr algn="ctr"/>
+            <a:r>
+              <a:rPr lang="en-US" altLang="zh-TW" dirty="0" smtClean="0"/>
+              <a:t>SVM + HOG</a:t>
+            </a:r>
+            <a:endParaRPr lang="zh-TW" altLang="en-US" dirty="0"/>
+          </a:p>
+        </p:txBody>
+      </p:sp>
+      <p:sp>
+        <p:nvSpPr>
+          <p:cNvPr id="5" name="圓角矩形 4"/>
+          <p:cNvSpPr/>
+          <p:nvPr/>
+        </p:nvSpPr>
+        <p:spPr>
+          <a:xfrm>
+            <a:off x="6019800" y="2667000"/>
+            <a:ext cx="1524000" cy="1295400"/>
+          </a:xfrm>
+          <a:prstGeom prst="roundRect">
+            <a:avLst/>
+          </a:prstGeom>
+        </p:spPr>
+        <p:style>
+          <a:lnRef idx="2">
+            <a:schemeClr val="accent1">
+              <a:shade val="50000"/>
+            </a:schemeClr>
+          </a:lnRef>
+          <a:fillRef idx="1">
+            <a:schemeClr val="accent1"/>
+          </a:fillRef>
+          <a:effectRef idx="0">
+            <a:schemeClr val="accent1"/>
+          </a:effectRef>
+          <a:fontRef idx="minor">
+            <a:schemeClr val="lt1"/>
+          </a:fontRef>
+        </p:style>
+        <p:txBody>
+          <a:bodyPr rtlCol="0" anchor="ctr"/>
+          <a:lstStyle/>
+          <a:p>
+            <a:pPr algn="ctr"/>
+            <a:r>
+              <a:rPr lang="en-US" altLang="zh-TW" dirty="0" smtClean="0"/>
+              <a:t>Solver</a:t>
+            </a:r>
+          </a:p>
+        </p:txBody>
+      </p:sp>
+      <p:sp>
+        <p:nvSpPr>
+          <p:cNvPr id="7" name="圓角矩形 6"/>
+          <p:cNvSpPr/>
+          <p:nvPr/>
+        </p:nvSpPr>
+        <p:spPr>
+          <a:xfrm>
+            <a:off x="3733800" y="2667000"/>
+            <a:ext cx="1524000" cy="1295400"/>
+          </a:xfrm>
+          <a:prstGeom prst="roundRect">
+            <a:avLst/>
+          </a:prstGeom>
+        </p:spPr>
+        <p:style>
+          <a:lnRef idx="2">
+            <a:schemeClr val="accent1">
+              <a:shade val="50000"/>
+            </a:schemeClr>
+          </a:lnRef>
+          <a:fillRef idx="1">
+            <a:schemeClr val="accent1"/>
+          </a:fillRef>
+          <a:effectRef idx="0">
+            <a:schemeClr val="accent1"/>
+          </a:effectRef>
+          <a:fontRef idx="minor">
+            <a:schemeClr val="lt1"/>
+          </a:fontRef>
+        </p:style>
+        <p:txBody>
+          <a:bodyPr rtlCol="0" anchor="ctr"/>
+          <a:lstStyle/>
+          <a:p>
+            <a:pPr algn="ctr"/>
+            <a:r>
+              <a:rPr lang="en-US" altLang="zh-TW" dirty="0" smtClean="0"/>
+              <a:t>Character Re-scoring</a:t>
+            </a:r>
+            <a:endParaRPr lang="zh-TW" altLang="en-US" dirty="0"/>
+          </a:p>
+        </p:txBody>
+      </p:sp>
+      <p:cxnSp>
+        <p:nvCxnSpPr>
+          <p:cNvPr id="10" name="直線單箭頭接點 9"/>
+          <p:cNvCxnSpPr>
+            <a:stCxn id="4" idx="3"/>
+            <a:endCxn id="7" idx="1"/>
+          </p:cNvCxnSpPr>
+          <p:nvPr/>
+        </p:nvCxnSpPr>
+        <p:spPr>
+          <a:xfrm>
+            <a:off x="2895600" y="3314700"/>
+            <a:ext cx="838200" cy="0"/>
+          </a:xfrm>
+          <a:prstGeom prst="straightConnector1">
+            <a:avLst/>
+          </a:prstGeom>
+          <a:ln w="38100">
+            <a:tailEnd type="arrow"/>
+          </a:ln>
+        </p:spPr>
+        <p:style>
+          <a:lnRef idx="1">
+            <a:schemeClr val="accent1"/>
+          </a:lnRef>
+          <a:fillRef idx="0">
+            <a:schemeClr val="accent1"/>
+          </a:fillRef>
+          <a:effectRef idx="0">
+            <a:schemeClr val="accent1"/>
+          </a:effectRef>
+          <a:fontRef idx="minor">
+            <a:schemeClr val="tx1"/>
+          </a:fontRef>
+        </p:style>
+      </p:cxnSp>
+      <p:cxnSp>
+        <p:nvCxnSpPr>
+          <p:cNvPr id="12" name="直線單箭頭接點 11"/>
+          <p:cNvCxnSpPr>
+            <a:stCxn id="7" idx="3"/>
+            <a:endCxn id="5" idx="1"/>
+          </p:cNvCxnSpPr>
+          <p:nvPr/>
+        </p:nvCxnSpPr>
+        <p:spPr>
+          <a:xfrm>
+            <a:off x="5257800" y="3314700"/>
+            <a:ext cx="762000" cy="0"/>
+          </a:xfrm>
+          <a:prstGeom prst="straightConnector1">
+            <a:avLst/>
+          </a:prstGeom>
+          <a:ln w="38100">
+            <a:tailEnd type="arrow"/>
+          </a:ln>
+        </p:spPr>
+        <p:style>
+          <a:lnRef idx="1">
+            <a:schemeClr val="accent1"/>
+          </a:lnRef>
+          <a:fillRef idx="0">
+            <a:schemeClr val="accent1"/>
+          </a:fillRef>
+          <a:effectRef idx="0">
+            <a:schemeClr val="accent1"/>
+          </a:effectRef>
+          <a:fontRef idx="minor">
+            <a:schemeClr val="tx1"/>
+          </a:fontRef>
+        </p:style>
+      </p:cxnSp>
+      <p:cxnSp>
+        <p:nvCxnSpPr>
+          <p:cNvPr id="20" name="直線單箭頭接點 19"/>
+          <p:cNvCxnSpPr/>
+          <p:nvPr/>
+        </p:nvCxnSpPr>
+        <p:spPr>
+          <a:xfrm>
+            <a:off x="533400" y="3352800"/>
+            <a:ext cx="838200" cy="0"/>
+          </a:xfrm>
+          <a:prstGeom prst="straightConnector1">
+            <a:avLst/>
+          </a:prstGeom>
+          <a:ln w="38100">
+            <a:tailEnd type="arrow"/>
+          </a:ln>
+        </p:spPr>
+        <p:style>
+          <a:lnRef idx="1">
+            <a:schemeClr val="accent1"/>
+          </a:lnRef>
+          <a:fillRef idx="0">
+            <a:schemeClr val="accent1"/>
+          </a:fillRef>
+          <a:effectRef idx="0">
+            <a:schemeClr val="accent1"/>
+          </a:effectRef>
+          <a:fontRef idx="minor">
+            <a:schemeClr val="tx1"/>
+          </a:fontRef>
+        </p:style>
+      </p:cxnSp>
+      <p:sp>
+        <p:nvSpPr>
+          <p:cNvPr id="21" name="文字方塊 20"/>
+          <p:cNvSpPr txBox="1"/>
+          <p:nvPr/>
+        </p:nvSpPr>
+        <p:spPr>
+          <a:xfrm>
+            <a:off x="304800" y="2667000"/>
+            <a:ext cx="914400" cy="646331"/>
+          </a:xfrm>
+          <a:prstGeom prst="rect">
+            <a:avLst/>
+          </a:prstGeom>
+          <a:noFill/>
+        </p:spPr>
+        <p:txBody>
+          <a:bodyPr wrap="square" rtlCol="0">
+            <a:spAutoFit/>
           </a:bodyPr>
           <a:lstStyle/>
           <a:p>
             <a:r>
-              <a:rPr lang="en-US" dirty="0" smtClean="0"/>
-              <a:t>Character detection and recognition</a:t>
-            </a:r>
-            <a:endParaRPr lang="en-US" dirty="0"/>
-          </a:p>
-        </p:txBody>
-      </p:sp>
-      <p:graphicFrame>
-        <p:nvGraphicFramePr>
-          <p:cNvPr id="4" name="Object 3"/>
-          <p:cNvGraphicFramePr>
-            <a:graphicFrameLocks noChangeAspect="1"/>
-          </p:cNvGraphicFramePr>
-          <p:nvPr>
-            <p:extLst>
-              <p:ext uri="{D42A27DB-BD31-4B8C-83A1-F6EECF244321}">
-                <p14:modId xmlns:p14="http://schemas.microsoft.com/office/powerpoint/2010/main" val="4119876215"/>
-              </p:ext>
-            </p:extLst>
-          </p:nvPr>
-        </p:nvGraphicFramePr>
-        <p:xfrm>
-          <a:off x="1447800" y="1447800"/>
-          <a:ext cx="6096000" cy="4423317"/>
-        </p:xfrm>
-        <a:graphic>
-          <a:graphicData uri="http://schemas.openxmlformats.org/presentationml/2006/ole">
-            <mc:AlternateContent xmlns:mc="http://schemas.openxmlformats.org/markup-compatibility/2006">
-              <mc:Choice xmlns:v="urn:schemas-microsoft-com:vml" Requires="v">
-                <p:oleObj spid="_x0000_s1035" name="Acrobat Document" r:id="rId3" imgW="4686266" imgH="3400380" progId="AcroExch.Document.7">
-                  <p:embed/>
-                </p:oleObj>
-              </mc:Choice>
-              <mc:Fallback>
-                <p:oleObj name="Acrobat Document" r:id="rId3" imgW="4686266" imgH="3400380" progId="AcroExch.Document.7">
-                  <p:embed/>
-                  <p:pic>
-                    <p:nvPicPr>
-                      <p:cNvPr id="0" name=""/>
-                      <p:cNvPicPr/>
-                      <p:nvPr/>
-                    </p:nvPicPr>
-                    <p:blipFill>
-                      <a:blip r:embed="rId4"/>
-                      <a:stretch>
-                        <a:fillRect/>
-                      </a:stretch>
-                    </p:blipFill>
-                    <p:spPr>
-                      <a:xfrm>
-                        <a:off x="1447800" y="1447800"/>
-                        <a:ext cx="6096000" cy="4423317"/>
-                      </a:xfrm>
-                      <a:prstGeom prst="rect">
-                        <a:avLst/>
-                      </a:prstGeom>
-                    </p:spPr>
-                  </p:pic>
-                </p:oleObj>
-              </mc:Fallback>
-            </mc:AlternateContent>
-          </a:graphicData>
-        </a:graphic>
-      </p:graphicFrame>
+              <a:rPr lang="en-US" altLang="zh-TW" dirty="0" smtClean="0"/>
+              <a:t>Input </a:t>
+            </a:r>
+          </a:p>
+          <a:p>
+            <a:r>
+              <a:rPr lang="en-US" altLang="zh-TW" dirty="0" smtClean="0"/>
+              <a:t>Image</a:t>
+            </a:r>
+            <a:endParaRPr lang="zh-TW" altLang="en-US" dirty="0"/>
+          </a:p>
+        </p:txBody>
+      </p:sp>
+      <p:sp>
+        <p:nvSpPr>
+          <p:cNvPr id="22" name="文字方塊 21"/>
+          <p:cNvSpPr txBox="1"/>
+          <p:nvPr/>
+        </p:nvSpPr>
+        <p:spPr>
+          <a:xfrm>
+            <a:off x="7848600" y="2895600"/>
+            <a:ext cx="1143000" cy="369332"/>
+          </a:xfrm>
+          <a:prstGeom prst="rect">
+            <a:avLst/>
+          </a:prstGeom>
+          <a:noFill/>
+        </p:spPr>
+        <p:txBody>
+          <a:bodyPr wrap="square" rtlCol="0">
+            <a:spAutoFit/>
+          </a:bodyPr>
+          <a:lstStyle/>
+          <a:p>
+            <a:r>
+              <a:rPr lang="en-US" altLang="zh-TW" dirty="0" smtClean="0"/>
+              <a:t>Prediction</a:t>
+            </a:r>
+            <a:endParaRPr lang="zh-TW" altLang="en-US" dirty="0"/>
+          </a:p>
+        </p:txBody>
+      </p:sp>
+      <p:cxnSp>
+        <p:nvCxnSpPr>
+          <p:cNvPr id="25" name="直線單箭頭接點 24"/>
+          <p:cNvCxnSpPr/>
+          <p:nvPr/>
+        </p:nvCxnSpPr>
+        <p:spPr>
+          <a:xfrm>
+            <a:off x="7543800" y="3352800"/>
+            <a:ext cx="685800" cy="0"/>
+          </a:xfrm>
+          <a:prstGeom prst="straightConnector1">
+            <a:avLst/>
+          </a:prstGeom>
+          <a:ln w="38100">
+            <a:tailEnd type="arrow"/>
+          </a:ln>
+        </p:spPr>
+        <p:style>
+          <a:lnRef idx="1">
+            <a:schemeClr val="accent1"/>
+          </a:lnRef>
+          <a:fillRef idx="0">
+            <a:schemeClr val="accent1"/>
+          </a:fillRef>
+          <a:effectRef idx="0">
+            <a:schemeClr val="accent1"/>
+          </a:effectRef>
+          <a:fontRef idx="minor">
+            <a:schemeClr val="tx1"/>
+          </a:fontRef>
+        </p:style>
+      </p:cxnSp>
     </p:spTree>
-    <p:extLst>
-      <p:ext uri="{BB962C8B-B14F-4D97-AF65-F5344CB8AC3E}">
-        <p14:creationId xmlns:p14="http://schemas.microsoft.com/office/powerpoint/2010/main" val="1584519326"/>
-      </p:ext>
-    </p:extLst>
   </p:cSld>
   <p:clrMapOvr>
     <a:masterClrMapping/>
   </p:clrMapOvr>
+  <p:timing>
+    <p:tnLst>
+      <p:par>
+        <p:cTn id="1" dur="indefinite" restart="never" nodeType="tmRoot"/>
+      </p:par>
+    </p:tnLst>
+  </p:timing>
 </p:sld>
 </file>
 
@@ -3741,12 +4846,14 @@
         </p:nvSpPr>
         <p:spPr/>
         <p:txBody>
-          <a:bodyPr/>
+          <a:bodyPr>
+            <a:normAutofit fontScale="90000"/>
+          </a:bodyPr>
           <a:lstStyle/>
           <a:p>
             <a:r>
               <a:rPr lang="en-US" dirty="0" smtClean="0"/>
-              <a:t>Character Recognition</a:t>
+              <a:t>Character detection and recognition</a:t>
             </a:r>
             <a:endParaRPr lang="en-US" dirty="0"/>
           </a:p>
@@ -3761,96 +4868,40 @@
           <p:nvPr>
             <p:extLst>
               <p:ext uri="{D42A27DB-BD31-4B8C-83A1-F6EECF244321}">
-                <p14:modId xmlns:p14="http://schemas.microsoft.com/office/powerpoint/2010/main" val="4119876215"/>
+                <p14:modId xmlns:p14="http://schemas.microsoft.com/office/powerpoint/2010/main" xmlns="" val="4119876215"/>
               </p:ext>
             </p:extLst>
           </p:nvPr>
         </p:nvGraphicFramePr>
         <p:xfrm>
           <a:off x="1447800" y="1447800"/>
-          <a:ext cx="6096000" cy="4422775"/>
+          <a:ext cx="6096000" cy="4423317"/>
         </p:xfrm>
         <a:graphic>
           <a:graphicData uri="http://schemas.openxmlformats.org/presentationml/2006/ole">
-            <mc:AlternateContent xmlns:mc="http://schemas.openxmlformats.org/markup-compatibility/2006">
-              <mc:Choice xmlns:v="urn:schemas-microsoft-com:vml" Requires="v">
-                <p:oleObj spid="_x0000_s2059" name="Acrobat Document" r:id="rId3" imgW="4686266" imgH="3400380" progId="AcroExch.Document.7">
-                  <p:embed/>
-                </p:oleObj>
-              </mc:Choice>
-              <mc:Fallback>
-                <p:oleObj name="Acrobat Document" r:id="rId3" imgW="4686266" imgH="3400380" progId="AcroExch.Document.7">
-                  <p:embed/>
-                  <p:pic>
-                    <p:nvPicPr>
-                      <p:cNvPr id="0" name="Object 3"/>
-                      <p:cNvPicPr>
-                        <a:picLocks noChangeAspect="1" noChangeArrowheads="1"/>
-                      </p:cNvPicPr>
-                      <p:nvPr/>
-                    </p:nvPicPr>
-                    <p:blipFill>
-                      <a:blip r:embed="rId4">
-                        <a:extLst>
-                          <a:ext uri="{28A0092B-C50C-407E-A947-70E740481C1C}">
-                            <a14:useLocalDpi xmlns:a14="http://schemas.microsoft.com/office/drawing/2010/main" val="0"/>
-                          </a:ext>
-                        </a:extLst>
-                      </a:blip>
-                      <a:srcRect/>
-                      <a:stretch>
-                        <a:fillRect/>
-                      </a:stretch>
-                    </p:blipFill>
-                    <p:spPr bwMode="auto">
-                      <a:xfrm>
-                        <a:off x="1447800" y="1447800"/>
-                        <a:ext cx="6096000" cy="4422775"/>
-                      </a:xfrm>
-                      <a:prstGeom prst="rect">
-                        <a:avLst/>
-                      </a:prstGeom>
-                      <a:noFill/>
-                      <a:ln>
-                        <a:noFill/>
-                      </a:ln>
-                      <a:extLst>
-                        <a:ext uri="{909E8E84-426E-40DD-AFC4-6F175D3DCCD1}">
-                          <a14:hiddenFill xmlns:a14="http://schemas.microsoft.com/office/drawing/2010/main">
-                            <a:solidFill>
-                              <a:srgbClr val="FFFFFF"/>
-                            </a:solidFill>
-                          </a14:hiddenFill>
-                        </a:ext>
-                        <a:ext uri="{91240B29-F687-4F45-9708-019B960494DF}">
-                          <a14:hiddenLine xmlns:a14="http://schemas.microsoft.com/office/drawing/2010/main" w="9525">
-                            <a:solidFill>
-                              <a:srgbClr val="000000"/>
-                            </a:solidFill>
-                            <a:miter lim="800000"/>
-                            <a:headEnd/>
-                            <a:tailEnd/>
-                          </a14:hiddenLine>
-                        </a:ext>
-                      </a:extLst>
-                    </p:spPr>
-                  </p:pic>
-                </p:oleObj>
-              </mc:Fallback>
-            </mc:AlternateContent>
+            <p:oleObj spid="_x0000_s1035" name="Acrobat Document" r:id="rId3" imgW="4686266" imgH="3400380" progId="AcroExch.Document.7">
+              <p:embed/>
+            </p:oleObj>
           </a:graphicData>
         </a:graphic>
       </p:graphicFrame>
     </p:spTree>
     <p:extLst>
       <p:ext uri="{BB962C8B-B14F-4D97-AF65-F5344CB8AC3E}">
-        <p14:creationId xmlns:p14="http://schemas.microsoft.com/office/powerpoint/2010/main" val="72075020"/>
+        <p14:creationId xmlns:p14="http://schemas.microsoft.com/office/powerpoint/2010/main" xmlns="" val="1584519326"/>
       </p:ext>
     </p:extLst>
   </p:cSld>
   <p:clrMapOvr>
     <a:masterClrMapping/>
   </p:clrMapOvr>
+  <p:timing>
+    <p:tnLst>
+      <p:par>
+        <p:cTn id="1" dur="indefinite" restart="never" nodeType="tmRoot"/>
+      </p:par>
+    </p:tnLst>
+  </p:timing>
 </p:sld>
 </file>
 
@@ -3886,43 +4937,379 @@
           <a:bodyPr/>
           <a:lstStyle/>
           <a:p>
-            <a:r>
-              <a:rPr lang="en-US" dirty="0" smtClean="0"/>
-              <a:t>SVM + HOG</a:t>
-            </a:r>
-            <a:endParaRPr lang="en-US" dirty="0"/>
-          </a:p>
-        </p:txBody>
-      </p:sp>
-      <p:sp>
-        <p:nvSpPr>
-          <p:cNvPr id="3" name="Content Placeholder 2"/>
-          <p:cNvSpPr>
-            <a:spLocks noGrp="1"/>
-          </p:cNvSpPr>
-          <p:nvPr>
-            <p:ph idx="1"/>
-          </p:nvPr>
-        </p:nvSpPr>
-        <p:spPr/>
-        <p:txBody>
-          <a:bodyPr/>
-          <a:lstStyle/>
-          <a:p>
-            <a:endParaRPr lang="en-US" dirty="0"/>
-          </a:p>
-        </p:txBody>
+            <a:pPr lvl="0">
+              <a:defRPr/>
+            </a:pPr>
+            <a:r>
+              <a:rPr lang="en" altLang="zh-TW" dirty="0" smtClean="0"/>
+              <a:t>Proposed Character Detector</a:t>
+            </a:r>
+            <a:endParaRPr lang="en" altLang="zh-TW" dirty="0"/>
+          </a:p>
+        </p:txBody>
+      </p:sp>
+      <p:sp>
+        <p:nvSpPr>
+          <p:cNvPr id="6" name="Shape 133"/>
+          <p:cNvSpPr/>
+          <p:nvPr/>
+        </p:nvSpPr>
+        <p:spPr>
+          <a:xfrm>
+            <a:off x="3296700" y="3473200"/>
+            <a:ext cx="365699" cy="1040100"/>
+          </a:xfrm>
+          <a:prstGeom prst="roundRect">
+            <a:avLst>
+              <a:gd name="adj" fmla="val 16667"/>
+            </a:avLst>
+          </a:prstGeom>
+          <a:solidFill>
+            <a:schemeClr val="bg2">
+              <a:lumMod val="90000"/>
+            </a:schemeClr>
+          </a:solidFill>
+          <a:ln w="57150" cap="flat">
+            <a:solidFill>
+              <a:srgbClr val="A4C2F4"/>
+            </a:solidFill>
+            <a:prstDash val="solid"/>
+            <a:round/>
+            <a:headEnd type="none" w="med" len="med"/>
+            <a:tailEnd type="none" w="med" len="med"/>
+          </a:ln>
+        </p:spPr>
+        <p:txBody>
+          <a:bodyPr lIns="91425" tIns="91425" rIns="91425" bIns="91425" anchor="ctr" anchorCtr="0">
+            <a:spAutoFit/>
+          </a:bodyPr>
+          <a:lstStyle/>
+          <a:p>
+            <a:endParaRPr/>
+          </a:p>
+        </p:txBody>
+      </p:sp>
+      <p:sp>
+        <p:nvSpPr>
+          <p:cNvPr id="7" name="Shape 134"/>
+          <p:cNvSpPr/>
+          <p:nvPr/>
+        </p:nvSpPr>
+        <p:spPr>
+          <a:xfrm>
+            <a:off x="4058700" y="3473200"/>
+            <a:ext cx="713100" cy="1040100"/>
+          </a:xfrm>
+          <a:prstGeom prst="roundRect">
+            <a:avLst>
+              <a:gd name="adj" fmla="val 16667"/>
+            </a:avLst>
+          </a:prstGeom>
+          <a:solidFill>
+            <a:schemeClr val="bg2">
+              <a:lumMod val="90000"/>
+            </a:schemeClr>
+          </a:solidFill>
+          <a:ln w="57150" cap="flat">
+            <a:solidFill>
+              <a:srgbClr val="A4C2F4"/>
+            </a:solidFill>
+            <a:prstDash val="solid"/>
+            <a:round/>
+            <a:headEnd type="none" w="med" len="med"/>
+            <a:tailEnd type="none" w="med" len="med"/>
+          </a:ln>
+        </p:spPr>
+        <p:txBody>
+          <a:bodyPr lIns="91425" tIns="91425" rIns="91425" bIns="91425" anchor="ctr" anchorCtr="0">
+            <a:spAutoFit/>
+          </a:bodyPr>
+          <a:lstStyle/>
+          <a:p>
+            <a:endParaRPr/>
+          </a:p>
+        </p:txBody>
+      </p:sp>
+      <p:sp>
+        <p:nvSpPr>
+          <p:cNvPr id="8" name="Shape 135"/>
+          <p:cNvSpPr/>
+          <p:nvPr/>
+        </p:nvSpPr>
+        <p:spPr>
+          <a:xfrm>
+            <a:off x="5125500" y="3473200"/>
+            <a:ext cx="1255199" cy="1040100"/>
+          </a:xfrm>
+          <a:prstGeom prst="roundRect">
+            <a:avLst>
+              <a:gd name="adj" fmla="val 16667"/>
+            </a:avLst>
+          </a:prstGeom>
+          <a:solidFill>
+            <a:schemeClr val="bg2">
+              <a:lumMod val="90000"/>
+            </a:schemeClr>
+          </a:solidFill>
+          <a:ln w="57150" cap="flat">
+            <a:solidFill>
+              <a:srgbClr val="A4C2F4"/>
+            </a:solidFill>
+            <a:prstDash val="solid"/>
+            <a:round/>
+            <a:headEnd type="none" w="med" len="med"/>
+            <a:tailEnd type="none" w="med" len="med"/>
+          </a:ln>
+        </p:spPr>
+        <p:txBody>
+          <a:bodyPr lIns="91425" tIns="91425" rIns="91425" bIns="91425" anchor="ctr" anchorCtr="0">
+            <a:spAutoFit/>
+          </a:bodyPr>
+          <a:lstStyle/>
+          <a:p>
+            <a:endParaRPr/>
+          </a:p>
+        </p:txBody>
+      </p:sp>
+      <p:sp>
+        <p:nvSpPr>
+          <p:cNvPr id="9" name="Shape 136"/>
+          <p:cNvSpPr/>
+          <p:nvPr/>
+        </p:nvSpPr>
+        <p:spPr>
+          <a:xfrm>
+            <a:off x="2763300" y="3473200"/>
+            <a:ext cx="166500" cy="1040100"/>
+          </a:xfrm>
+          <a:prstGeom prst="roundRect">
+            <a:avLst>
+              <a:gd name="adj" fmla="val 16667"/>
+            </a:avLst>
+          </a:prstGeom>
+          <a:solidFill>
+            <a:schemeClr val="bg2">
+              <a:lumMod val="90000"/>
+            </a:schemeClr>
+          </a:solidFill>
+          <a:ln w="57150" cap="flat">
+            <a:solidFill>
+              <a:srgbClr val="A4C2F4"/>
+            </a:solidFill>
+            <a:prstDash val="solid"/>
+            <a:round/>
+            <a:headEnd type="none" w="med" len="med"/>
+            <a:tailEnd type="none" w="med" len="med"/>
+          </a:ln>
+        </p:spPr>
+        <p:txBody>
+          <a:bodyPr lIns="91425" tIns="91425" rIns="91425" bIns="91425" anchor="ctr" anchorCtr="0">
+            <a:spAutoFit/>
+          </a:bodyPr>
+          <a:lstStyle/>
+          <a:p>
+            <a:endParaRPr/>
+          </a:p>
+        </p:txBody>
+      </p:sp>
+      <p:sp>
+        <p:nvSpPr>
+          <p:cNvPr id="10" name="Shape 137"/>
+          <p:cNvSpPr/>
+          <p:nvPr/>
+        </p:nvSpPr>
+        <p:spPr>
+          <a:xfrm>
+            <a:off x="2803650" y="1873000"/>
+            <a:ext cx="241800" cy="251400"/>
+          </a:xfrm>
+          <a:prstGeom prst="roundRect">
+            <a:avLst>
+              <a:gd name="adj" fmla="val 16667"/>
+            </a:avLst>
+          </a:prstGeom>
+          <a:solidFill>
+            <a:srgbClr val="FFC000"/>
+          </a:solidFill>
+          <a:ln w="57150" cap="flat">
+            <a:solidFill>
+              <a:schemeClr val="accent5"/>
+            </a:solidFill>
+            <a:prstDash val="solid"/>
+            <a:round/>
+            <a:headEnd type="none" w="med" len="med"/>
+            <a:tailEnd type="none" w="med" len="med"/>
+          </a:ln>
+        </p:spPr>
+        <p:txBody>
+          <a:bodyPr lIns="91425" tIns="91425" rIns="91425" bIns="91425" anchor="ctr" anchorCtr="0">
+            <a:spAutoFit/>
+          </a:bodyPr>
+          <a:lstStyle/>
+          <a:p>
+            <a:endParaRPr/>
+          </a:p>
+        </p:txBody>
+      </p:sp>
+      <p:sp>
+        <p:nvSpPr>
+          <p:cNvPr id="11" name="Shape 138"/>
+          <p:cNvSpPr/>
+          <p:nvPr/>
+        </p:nvSpPr>
+        <p:spPr>
+          <a:xfrm>
+            <a:off x="3343250" y="1873000"/>
+            <a:ext cx="474899" cy="495599"/>
+          </a:xfrm>
+          <a:prstGeom prst="roundRect">
+            <a:avLst>
+              <a:gd name="adj" fmla="val 16667"/>
+            </a:avLst>
+          </a:prstGeom>
+          <a:solidFill>
+            <a:srgbClr val="FFC000"/>
+          </a:solidFill>
+          <a:ln w="57150" cap="flat">
+            <a:solidFill>
+              <a:schemeClr val="accent5"/>
+            </a:solidFill>
+            <a:prstDash val="solid"/>
+            <a:round/>
+            <a:headEnd type="none" w="med" len="med"/>
+            <a:tailEnd type="none" w="med" len="med"/>
+          </a:ln>
+        </p:spPr>
+        <p:txBody>
+          <a:bodyPr lIns="91425" tIns="91425" rIns="91425" bIns="91425" anchor="ctr" anchorCtr="0">
+            <a:spAutoFit/>
+          </a:bodyPr>
+          <a:lstStyle/>
+          <a:p>
+            <a:endParaRPr/>
+          </a:p>
+        </p:txBody>
+      </p:sp>
+      <p:sp>
+        <p:nvSpPr>
+          <p:cNvPr id="12" name="Shape 139"/>
+          <p:cNvSpPr/>
+          <p:nvPr/>
+        </p:nvSpPr>
+        <p:spPr>
+          <a:xfrm>
+            <a:off x="4115950" y="1873000"/>
+            <a:ext cx="828300" cy="868499"/>
+          </a:xfrm>
+          <a:prstGeom prst="roundRect">
+            <a:avLst>
+              <a:gd name="adj" fmla="val 16667"/>
+            </a:avLst>
+          </a:prstGeom>
+          <a:solidFill>
+            <a:srgbClr val="FFC000"/>
+          </a:solidFill>
+          <a:ln w="57150" cap="flat">
+            <a:solidFill>
+              <a:schemeClr val="accent5"/>
+            </a:solidFill>
+            <a:prstDash val="solid"/>
+            <a:round/>
+            <a:headEnd type="none" w="med" len="med"/>
+            <a:tailEnd type="none" w="med" len="med"/>
+          </a:ln>
+        </p:spPr>
+        <p:txBody>
+          <a:bodyPr lIns="91425" tIns="91425" rIns="91425" bIns="91425" anchor="ctr" anchorCtr="0">
+            <a:spAutoFit/>
+          </a:bodyPr>
+          <a:lstStyle/>
+          <a:p>
+            <a:endParaRPr/>
+          </a:p>
+        </p:txBody>
+      </p:sp>
+      <p:sp>
+        <p:nvSpPr>
+          <p:cNvPr id="13" name="Shape 140"/>
+          <p:cNvSpPr/>
+          <p:nvPr/>
+        </p:nvSpPr>
+        <p:spPr>
+          <a:xfrm>
+            <a:off x="5242050" y="1873000"/>
+            <a:ext cx="1098300" cy="1154399"/>
+          </a:xfrm>
+          <a:prstGeom prst="roundRect">
+            <a:avLst>
+              <a:gd name="adj" fmla="val 16667"/>
+            </a:avLst>
+          </a:prstGeom>
+          <a:solidFill>
+            <a:srgbClr val="FFC000"/>
+          </a:solidFill>
+          <a:ln w="57150" cap="flat">
+            <a:solidFill>
+              <a:schemeClr val="accent5"/>
+            </a:solidFill>
+            <a:prstDash val="solid"/>
+            <a:round/>
+            <a:headEnd type="none" w="med" len="med"/>
+            <a:tailEnd type="none" w="med" len="med"/>
+          </a:ln>
+        </p:spPr>
+        <p:txBody>
+          <a:bodyPr lIns="91425" tIns="91425" rIns="91425" bIns="91425" anchor="ctr" anchorCtr="0">
+            <a:spAutoFit/>
+          </a:bodyPr>
+          <a:lstStyle/>
+          <a:p>
+            <a:endParaRPr/>
+          </a:p>
+        </p:txBody>
+      </p:sp>
+      <p:sp>
+        <p:nvSpPr>
+          <p:cNvPr id="14" name="Shape 141"/>
+          <p:cNvSpPr/>
+          <p:nvPr/>
+        </p:nvSpPr>
+        <p:spPr>
+          <a:xfrm>
+            <a:off x="2617475" y="5135875"/>
+            <a:ext cx="4057650" cy="1028700"/>
+          </a:xfrm>
+          <a:prstGeom prst="rect">
+            <a:avLst/>
+          </a:prstGeom>
+          <a:blipFill>
+            <a:blip r:embed="rId2" cstate="print"/>
+            <a:stretch>
+              <a:fillRect/>
+            </a:stretch>
+          </a:blipFill>
+          <a:ln>
+            <a:noFill/>
+          </a:ln>
+        </p:spPr>
       </p:sp>
     </p:spTree>
     <p:extLst>
       <p:ext uri="{BB962C8B-B14F-4D97-AF65-F5344CB8AC3E}">
-        <p14:creationId xmlns:p14="http://schemas.microsoft.com/office/powerpoint/2010/main" val="327783191"/>
+        <p14:creationId xmlns:p14="http://schemas.microsoft.com/office/powerpoint/2010/main" xmlns="" val="327783191"/>
       </p:ext>
     </p:extLst>
   </p:cSld>
   <p:clrMapOvr>
     <a:masterClrMapping/>
   </p:clrMapOvr>
+  <p:timing>
+    <p:tnLst>
+      <p:par>
+        <p:cTn id="1" dur="indefinite" restart="never" nodeType="tmRoot"/>
+      </p:par>
+    </p:tnLst>
+  </p:timing>
 </p:sld>
 </file>
 
@@ -3985,16 +5372,55 @@
           </a:p>
         </p:txBody>
       </p:sp>
+      <p:pic>
+        <p:nvPicPr>
+          <p:cNvPr id="17410" name="Picture 2"/>
+          <p:cNvPicPr>
+            <a:picLocks noChangeAspect="1" noChangeArrowheads="1"/>
+          </p:cNvPicPr>
+          <p:nvPr/>
+        </p:nvPicPr>
+        <p:blipFill>
+          <a:blip r:embed="rId2" cstate="print"/>
+          <a:srcRect b="47083"/>
+          <a:stretch>
+            <a:fillRect/>
+          </a:stretch>
+        </p:blipFill>
+        <p:spPr bwMode="auto">
+          <a:xfrm>
+            <a:off x="152400" y="2438400"/>
+            <a:ext cx="8839200" cy="2513517"/>
+          </a:xfrm>
+          <a:prstGeom prst="rect">
+            <a:avLst/>
+          </a:prstGeom>
+          <a:noFill/>
+          <a:ln w="9525">
+            <a:noFill/>
+            <a:miter lim="800000"/>
+            <a:headEnd/>
+            <a:tailEnd/>
+          </a:ln>
+        </p:spPr>
+      </p:pic>
     </p:spTree>
     <p:extLst>
       <p:ext uri="{BB962C8B-B14F-4D97-AF65-F5344CB8AC3E}">
-        <p14:creationId xmlns:p14="http://schemas.microsoft.com/office/powerpoint/2010/main" val="3564314761"/>
+        <p14:creationId xmlns:p14="http://schemas.microsoft.com/office/powerpoint/2010/main" xmlns="" val="3564314761"/>
       </p:ext>
     </p:extLst>
   </p:cSld>
   <p:clrMapOvr>
     <a:masterClrMapping/>
   </p:clrMapOvr>
+  <p:timing>
+    <p:tnLst>
+      <p:par>
+        <p:cTn id="1" dur="indefinite" restart="never" nodeType="tmRoot"/>
+      </p:par>
+    </p:tnLst>
+  </p:timing>
 </p:sld>
 </file>
 
@@ -4049,10 +5475,10 @@
           </p:nvPr>
         </p:nvPicPr>
         <p:blipFill>
-          <a:blip r:embed="rId2">
+          <a:blip r:embed="rId2" cstate="print">
             <a:extLst>
               <a:ext uri="{28A0092B-C50C-407E-A947-70E740481C1C}">
-                <a14:useLocalDpi xmlns:a14="http://schemas.microsoft.com/office/drawing/2010/main" val="0"/>
+                <a14:useLocalDpi xmlns:a14="http://schemas.microsoft.com/office/drawing/2010/main" xmlns="" val="0"/>
               </a:ext>
             </a:extLst>
           </a:blip>
@@ -4196,13 +5622,20 @@
     </p:spTree>
     <p:extLst>
       <p:ext uri="{BB962C8B-B14F-4D97-AF65-F5344CB8AC3E}">
-        <p14:creationId xmlns:p14="http://schemas.microsoft.com/office/powerpoint/2010/main" val="3810305709"/>
+        <p14:creationId xmlns:p14="http://schemas.microsoft.com/office/powerpoint/2010/main" xmlns="" val="3810305709"/>
       </p:ext>
     </p:extLst>
   </p:cSld>
   <p:clrMapOvr>
     <a:masterClrMapping/>
   </p:clrMapOvr>
+  <p:timing>
+    <p:tnLst>
+      <p:par>
+        <p:cTn id="1" dur="indefinite" restart="never" nodeType="tmRoot"/>
+      </p:par>
+    </p:tnLst>
+  </p:timing>
 </p:sld>
 </file>
 
@@ -4255,10 +5688,10 @@
           <p:nvPr/>
         </p:nvPicPr>
         <p:blipFill>
-          <a:blip r:embed="rId2">
+          <a:blip r:embed="rId2" cstate="print">
             <a:extLst>
               <a:ext uri="{28A0092B-C50C-407E-A947-70E740481C1C}">
-                <a14:useLocalDpi xmlns:a14="http://schemas.microsoft.com/office/drawing/2010/main" val="0"/>
+                <a14:useLocalDpi xmlns:a14="http://schemas.microsoft.com/office/drawing/2010/main" xmlns="" val="0"/>
               </a:ext>
             </a:extLst>
           </a:blip>
@@ -4468,13 +5901,20 @@
     </p:spTree>
     <p:extLst>
       <p:ext uri="{BB962C8B-B14F-4D97-AF65-F5344CB8AC3E}">
-        <p14:creationId xmlns:p14="http://schemas.microsoft.com/office/powerpoint/2010/main" val="4003545120"/>
+        <p14:creationId xmlns:p14="http://schemas.microsoft.com/office/powerpoint/2010/main" xmlns="" val="4003545120"/>
       </p:ext>
     </p:extLst>
   </p:cSld>
   <p:clrMapOvr>
     <a:masterClrMapping/>
   </p:clrMapOvr>
+  <p:timing>
+    <p:tnLst>
+      <p:par>
+        <p:cTn id="1" dur="indefinite" restart="never" nodeType="tmRoot"/>
+      </p:par>
+    </p:tnLst>
+  </p:timing>
 </p:sld>
 </file>
 
@@ -4529,10 +5969,10 @@
           <p:nvPr/>
         </p:nvPicPr>
         <p:blipFill>
-          <a:blip r:embed="rId2">
+          <a:blip r:embed="rId2" cstate="print">
             <a:extLst>
               <a:ext uri="{28A0092B-C50C-407E-A947-70E740481C1C}">
-                <a14:useLocalDpi xmlns:a14="http://schemas.microsoft.com/office/drawing/2010/main" val="0"/>
+                <a14:useLocalDpi xmlns:a14="http://schemas.microsoft.com/office/drawing/2010/main" xmlns="" val="0"/>
               </a:ext>
             </a:extLst>
           </a:blip>
@@ -4553,13 +5993,20 @@
     </p:spTree>
     <p:extLst>
       <p:ext uri="{BB962C8B-B14F-4D97-AF65-F5344CB8AC3E}">
-        <p14:creationId xmlns:p14="http://schemas.microsoft.com/office/powerpoint/2010/main" val="2526929314"/>
+        <p14:creationId xmlns:p14="http://schemas.microsoft.com/office/powerpoint/2010/main" xmlns="" val="2526929314"/>
       </p:ext>
     </p:extLst>
   </p:cSld>
   <p:clrMapOvr>
     <a:masterClrMapping/>
   </p:clrMapOvr>
+  <p:timing>
+    <p:tnLst>
+      <p:par>
+        <p:cTn id="1" dur="indefinite" restart="never" nodeType="tmRoot"/>
+      </p:par>
+    </p:tnLst>
+  </p:timing>
 </p:sld>
 </file>
 
@@ -4599,7 +6046,22 @@
           <a:p>
             <a:r>
               <a:rPr lang="en-US" dirty="0" smtClean="0"/>
-              <a:t>Reasons for cost matrices – Color similarity</a:t>
+              <a:t>Reasons for cost matrices – </a:t>
+            </a:r>
+            <a:r>
+              <a:rPr lang="en-US" dirty="0" smtClean="0"/>
+              <a:t/>
+            </a:r>
+            <a:br>
+              <a:rPr lang="en-US" dirty="0" smtClean="0"/>
+            </a:br>
+            <a:r>
+              <a:rPr lang="en-US" dirty="0" smtClean="0"/>
+              <a:t>Color </a:t>
+            </a:r>
+            <a:r>
+              <a:rPr lang="en-US" dirty="0" smtClean="0"/>
+              <a:t>similarity</a:t>
             </a:r>
             <a:endParaRPr lang="en-US" dirty="0"/>
           </a:p>
@@ -4614,10 +6076,10 @@
           <p:nvPr/>
         </p:nvPicPr>
         <p:blipFill>
-          <a:blip r:embed="rId2">
+          <a:blip r:embed="rId2" cstate="print">
             <a:extLst>
               <a:ext uri="{28A0092B-C50C-407E-A947-70E740481C1C}">
-                <a14:useLocalDpi xmlns:a14="http://schemas.microsoft.com/office/drawing/2010/main" val="0"/>
+                <a14:useLocalDpi xmlns:a14="http://schemas.microsoft.com/office/drawing/2010/main" xmlns="" val="0"/>
               </a:ext>
             </a:extLst>
           </a:blip>
@@ -4638,13 +6100,20 @@
     </p:spTree>
     <p:extLst>
       <p:ext uri="{BB962C8B-B14F-4D97-AF65-F5344CB8AC3E}">
-        <p14:creationId xmlns:p14="http://schemas.microsoft.com/office/powerpoint/2010/main" val="1453614854"/>
+        <p14:creationId xmlns:p14="http://schemas.microsoft.com/office/powerpoint/2010/main" xmlns="" val="1453614854"/>
       </p:ext>
     </p:extLst>
   </p:cSld>
   <p:clrMapOvr>
     <a:masterClrMapping/>
   </p:clrMapOvr>
+  <p:timing>
+    <p:tnLst>
+      <p:par>
+        <p:cTn id="1" dur="indefinite" restart="never" nodeType="tmRoot"/>
+      </p:par>
+    </p:tnLst>
+  </p:timing>
 </p:sld>
 </file>
 
@@ -4931,4 +6400,287 @@
   <a:objectDefaults/>
   <a:extraClrSchemeLst/>
 </a:theme>
+</file>
+
+<file path=ppt/theme/theme2.xml><?xml version="1.0" encoding="utf-8"?>
+<a:theme xmlns:a="http://schemas.openxmlformats.org/drawingml/2006/main" name="Office 佈景主題">
+  <a:themeElements>
+    <a:clrScheme name="Office">
+      <a:dk1>
+        <a:sysClr val="windowText" lastClr="000000"/>
+      </a:dk1>
+      <a:lt1>
+        <a:sysClr val="window" lastClr="FFFFFF"/>
+      </a:lt1>
+      <a:dk2>
+        <a:srgbClr val="1F497D"/>
+      </a:dk2>
+      <a:lt2>
+        <a:srgbClr val="EEECE1"/>
+      </a:lt2>
+      <a:accent1>
+        <a:srgbClr val="4F81BD"/>
+      </a:accent1>
+      <a:accent2>
+        <a:srgbClr val="C0504D"/>
+      </a:accent2>
+      <a:accent3>
+        <a:srgbClr val="9BBB59"/>
+      </a:accent3>
+      <a:accent4>
+        <a:srgbClr val="8064A2"/>
+      </a:accent4>
+      <a:accent5>
+        <a:srgbClr val="4BACC6"/>
+      </a:accent5>
+      <a:accent6>
+        <a:srgbClr val="F79646"/>
+      </a:accent6>
+      <a:hlink>
+        <a:srgbClr val="0000FF"/>
+      </a:hlink>
+      <a:folHlink>
+        <a:srgbClr val="800080"/>
+      </a:folHlink>
+    </a:clrScheme>
+    <a:fontScheme name="Office">
+      <a:majorFont>
+        <a:latin typeface="Calibri"/>
+        <a:ea typeface=""/>
+        <a:cs typeface=""/>
+        <a:font script="Jpan" typeface="ＭＳ Ｐゴシック"/>
+        <a:font script="Hang" typeface="맑은 고딕"/>
+        <a:font script="Hans" typeface="宋体"/>
+        <a:font script="Hant" typeface="新細明體"/>
+        <a:font script="Arab" typeface="Times New Roman"/>
+        <a:font script="Hebr" typeface="Times New Roman"/>
+        <a:font script="Thai" typeface="Angsana New"/>
+        <a:font script="Ethi" typeface="Nyala"/>
+        <a:font script="Beng" typeface="Vrinda"/>
+        <a:font script="Gujr" typeface="Shruti"/>
+        <a:font script="Khmr" typeface="MoolBoran"/>
+        <a:font script="Knda" typeface="Tunga"/>
+        <a:font script="Guru" typeface="Raavi"/>
+        <a:font script="Cans" typeface="Euphemia"/>
+        <a:font script="Cher" typeface="Plantagenet Cherokee"/>
+        <a:font script="Yiii" typeface="Microsoft Yi Baiti"/>
+        <a:font script="Tibt" typeface="Microsoft Himalaya"/>
+        <a:font script="Thaa" typeface="MV Boli"/>
+        <a:font script="Deva" typeface="Mangal"/>
+        <a:font script="Telu" typeface="Gautami"/>
+        <a:font script="Taml" typeface="Latha"/>
+        <a:font script="Syrc" typeface="Estrangelo Edessa"/>
+        <a:font script="Orya" typeface="Kalinga"/>
+        <a:font script="Mlym" typeface="Kartika"/>
+        <a:font script="Laoo" typeface="DokChampa"/>
+        <a:font script="Sinh" typeface="Iskoola Pota"/>
+        <a:font script="Mong" typeface="Mongolian Baiti"/>
+        <a:font script="Viet" typeface="Times New Roman"/>
+        <a:font script="Uigh" typeface="Microsoft Uighur"/>
+      </a:majorFont>
+      <a:minorFont>
+        <a:latin typeface="Calibri"/>
+        <a:ea typeface=""/>
+        <a:cs typeface=""/>
+        <a:font script="Jpan" typeface="ＭＳ Ｐゴシック"/>
+        <a:font script="Hang" typeface="맑은 고딕"/>
+        <a:font script="Hans" typeface="宋体"/>
+        <a:font script="Hant" typeface="新細明體"/>
+        <a:font script="Arab" typeface="Arial"/>
+        <a:font script="Hebr" typeface="Arial"/>
+        <a:font script="Thai" typeface="Cordia New"/>
+        <a:font script="Ethi" typeface="Nyala"/>
+        <a:font script="Beng" typeface="Vrinda"/>
+        <a:font script="Gujr" typeface="Shruti"/>
+        <a:font script="Khmr" typeface="DaunPenh"/>
+        <a:font script="Knda" typeface="Tunga"/>
+        <a:font script="Guru" typeface="Raavi"/>
+        <a:font script="Cans" typeface="Euphemia"/>
+        <a:font script="Cher" typeface="Plantagenet Cherokee"/>
+        <a:font script="Yiii" typeface="Microsoft Yi Baiti"/>
+        <a:font script="Tibt" typeface="Microsoft Himalaya"/>
+        <a:font script="Thaa" typeface="MV Boli"/>
+        <a:font script="Deva" typeface="Mangal"/>
+        <a:font script="Telu" typeface="Gautami"/>
+        <a:font script="Taml" typeface="Latha"/>
+        <a:font script="Syrc" typeface="Estrangelo Edessa"/>
+        <a:font script="Orya" typeface="Kalinga"/>
+        <a:font script="Mlym" typeface="Kartika"/>
+        <a:font script="Laoo" typeface="DokChampa"/>
+        <a:font script="Sinh" typeface="Iskoola Pota"/>
+        <a:font script="Mong" typeface="Mongolian Baiti"/>
+        <a:font script="Viet" typeface="Arial"/>
+        <a:font script="Uigh" typeface="Microsoft Uighur"/>
+      </a:minorFont>
+    </a:fontScheme>
+    <a:fmtScheme name="Office">
+      <a:fillStyleLst>
+        <a:solidFill>
+          <a:schemeClr val="phClr"/>
+        </a:solidFill>
+        <a:gradFill rotWithShape="1">
+          <a:gsLst>
+            <a:gs pos="0">
+              <a:schemeClr val="phClr">
+                <a:tint val="50000"/>
+                <a:satMod val="300000"/>
+              </a:schemeClr>
+            </a:gs>
+            <a:gs pos="35000">
+              <a:schemeClr val="phClr">
+                <a:tint val="37000"/>
+                <a:satMod val="300000"/>
+              </a:schemeClr>
+            </a:gs>
+            <a:gs pos="100000">
+              <a:schemeClr val="phClr">
+                <a:tint val="15000"/>
+                <a:satMod val="350000"/>
+              </a:schemeClr>
+            </a:gs>
+          </a:gsLst>
+          <a:lin ang="16200000" scaled="1"/>
+        </a:gradFill>
+        <a:gradFill rotWithShape="1">
+          <a:gsLst>
+            <a:gs pos="0">
+              <a:schemeClr val="phClr">
+                <a:shade val="51000"/>
+                <a:satMod val="130000"/>
+              </a:schemeClr>
+            </a:gs>
+            <a:gs pos="80000">
+              <a:schemeClr val="phClr">
+                <a:shade val="93000"/>
+                <a:satMod val="130000"/>
+              </a:schemeClr>
+            </a:gs>
+            <a:gs pos="100000">
+              <a:schemeClr val="phClr">
+                <a:shade val="94000"/>
+                <a:satMod val="135000"/>
+              </a:schemeClr>
+            </a:gs>
+          </a:gsLst>
+          <a:lin ang="16200000" scaled="0"/>
+        </a:gradFill>
+      </a:fillStyleLst>
+      <a:lnStyleLst>
+        <a:ln w="9525" cap="flat" cmpd="sng" algn="ctr">
+          <a:solidFill>
+            <a:schemeClr val="phClr">
+              <a:shade val="95000"/>
+              <a:satMod val="105000"/>
+            </a:schemeClr>
+          </a:solidFill>
+          <a:prstDash val="solid"/>
+        </a:ln>
+        <a:ln w="25400" cap="flat" cmpd="sng" algn="ctr">
+          <a:solidFill>
+            <a:schemeClr val="phClr"/>
+          </a:solidFill>
+          <a:prstDash val="solid"/>
+        </a:ln>
+        <a:ln w="38100" cap="flat" cmpd="sng" algn="ctr">
+          <a:solidFill>
+            <a:schemeClr val="phClr"/>
+          </a:solidFill>
+          <a:prstDash val="solid"/>
+        </a:ln>
+      </a:lnStyleLst>
+      <a:effectStyleLst>
+        <a:effectStyle>
+          <a:effectLst>
+            <a:outerShdw blurRad="40000" dist="20000" dir="5400000" rotWithShape="0">
+              <a:srgbClr val="000000">
+                <a:alpha val="38000"/>
+              </a:srgbClr>
+            </a:outerShdw>
+          </a:effectLst>
+        </a:effectStyle>
+        <a:effectStyle>
+          <a:effectLst>
+            <a:outerShdw blurRad="40000" dist="23000" dir="5400000" rotWithShape="0">
+              <a:srgbClr val="000000">
+                <a:alpha val="35000"/>
+              </a:srgbClr>
+            </a:outerShdw>
+          </a:effectLst>
+        </a:effectStyle>
+        <a:effectStyle>
+          <a:effectLst>
+            <a:outerShdw blurRad="40000" dist="23000" dir="5400000" rotWithShape="0">
+              <a:srgbClr val="000000">
+                <a:alpha val="35000"/>
+              </a:srgbClr>
+            </a:outerShdw>
+          </a:effectLst>
+          <a:scene3d>
+            <a:camera prst="orthographicFront">
+              <a:rot lat="0" lon="0" rev="0"/>
+            </a:camera>
+            <a:lightRig rig="threePt" dir="t">
+              <a:rot lat="0" lon="0" rev="1200000"/>
+            </a:lightRig>
+          </a:scene3d>
+          <a:sp3d>
+            <a:bevelT w="63500" h="25400"/>
+          </a:sp3d>
+        </a:effectStyle>
+      </a:effectStyleLst>
+      <a:bgFillStyleLst>
+        <a:solidFill>
+          <a:schemeClr val="phClr"/>
+        </a:solidFill>
+        <a:gradFill rotWithShape="1">
+          <a:gsLst>
+            <a:gs pos="0">
+              <a:schemeClr val="phClr">
+                <a:tint val="40000"/>
+                <a:satMod val="350000"/>
+              </a:schemeClr>
+            </a:gs>
+            <a:gs pos="40000">
+              <a:schemeClr val="phClr">
+                <a:tint val="45000"/>
+                <a:shade val="99000"/>
+                <a:satMod val="350000"/>
+              </a:schemeClr>
+            </a:gs>
+            <a:gs pos="100000">
+              <a:schemeClr val="phClr">
+                <a:shade val="20000"/>
+                <a:satMod val="255000"/>
+              </a:schemeClr>
+            </a:gs>
+          </a:gsLst>
+          <a:path path="circle">
+            <a:fillToRect l="50000" t="-80000" r="50000" b="180000"/>
+          </a:path>
+        </a:gradFill>
+        <a:gradFill rotWithShape="1">
+          <a:gsLst>
+            <a:gs pos="0">
+              <a:schemeClr val="phClr">
+                <a:tint val="80000"/>
+                <a:satMod val="300000"/>
+              </a:schemeClr>
+            </a:gs>
+            <a:gs pos="100000">
+              <a:schemeClr val="phClr">
+                <a:shade val="30000"/>
+                <a:satMod val="200000"/>
+              </a:schemeClr>
+            </a:gs>
+          </a:gsLst>
+          <a:path path="circle">
+            <a:fillToRect l="50000" t="50000" r="50000" b="50000"/>
+          </a:path>
+        </a:gradFill>
+      </a:bgFillStyleLst>
+    </a:fmtScheme>
+  </a:themeElements>
+  <a:objectDefaults/>
+  <a:extraClrSchemeLst/>
+</a:theme>
 </file>